--- a/Präsentation Gruppe 2.pptx
+++ b/Präsentation Gruppe 2.pptx
@@ -115,7 +115,7 @@
   </p:defaultTextStyle>
   <p:extLst>
     <p:ext uri="{EFAFB233-063F-42B5-8137-9DF3F51BA10A}">
-      <p15:sldGuideLst xmlns:p15="http://schemas.microsoft.com/office/powerpoint/2012/main" xmlns="">
+      <p15:sldGuideLst xmlns:p15="http://schemas.microsoft.com/office/powerpoint/2012/main">
         <p15:guide id="1" orient="horz" pos="2160" userDrawn="1">
           <p15:clr>
             <a:srgbClr val="A4A3A4"/>
@@ -214,7 +214,7 @@
           <a:p>
             <a:fld id="{1044E00E-715A-423C-A2B0-AB8EC97BDA9B}" type="datetimeFigureOut">
               <a:rPr lang="en-GB" smtClean="0"/>
-              <a:t>01.06.20</a:t>
+              <a:t>02/06/2020</a:t>
             </a:fld>
             <a:endParaRPr lang="en-GB"/>
           </a:p>
@@ -278,35 +278,35 @@
           <a:p>
             <a:pPr lvl="0"/>
             <a:r>
-              <a:rPr lang="de-DE" smtClean="0"/>
+              <a:rPr lang="de-DE"/>
               <a:t>Textmasterformat bearbeiten</a:t>
             </a:r>
           </a:p>
           <a:p>
             <a:pPr lvl="1"/>
             <a:r>
-              <a:rPr lang="de-DE" smtClean="0"/>
+              <a:rPr lang="de-DE"/>
               <a:t>Zweite Ebene</a:t>
             </a:r>
           </a:p>
           <a:p>
             <a:pPr lvl="2"/>
             <a:r>
-              <a:rPr lang="de-DE" smtClean="0"/>
+              <a:rPr lang="de-DE"/>
               <a:t>Dritte Ebene</a:t>
             </a:r>
           </a:p>
           <a:p>
             <a:pPr lvl="3"/>
             <a:r>
-              <a:rPr lang="de-DE" smtClean="0"/>
+              <a:rPr lang="de-DE"/>
               <a:t>Vierte Ebene</a:t>
             </a:r>
           </a:p>
           <a:p>
             <a:pPr lvl="4"/>
             <a:r>
-              <a:rPr lang="de-DE" smtClean="0"/>
+              <a:rPr lang="de-DE"/>
               <a:t>Fünfte Ebene</a:t>
             </a:r>
             <a:endParaRPr lang="en-GB"/>
@@ -692,7 +692,7 @@
           </a:lstStyle>
           <a:p>
             <a:r>
-              <a:rPr lang="de-DE" smtClean="0"/>
+              <a:rPr lang="de-DE"/>
               <a:t>Titelmasterformat durch Klicken bearbeiten</a:t>
             </a:r>
             <a:endParaRPr lang="en-GB"/>
@@ -757,7 +757,7 @@
           </a:lstStyle>
           <a:p>
             <a:r>
-              <a:rPr lang="de-DE" smtClean="0"/>
+              <a:rPr lang="de-DE"/>
               <a:t>Formatvorlage des Untertitelmasters durch Klicken bearbeiten</a:t>
             </a:r>
             <a:endParaRPr lang="en-GB"/>
@@ -781,7 +781,7 @@
           <a:p>
             <a:fld id="{5F9590AD-6D3F-4648-B0FA-2F34D7304427}" type="datetime1">
               <a:rPr lang="en-GB" smtClean="0"/>
-              <a:t>01.06.20</a:t>
+              <a:t>02/06/2020</a:t>
             </a:fld>
             <a:endParaRPr lang="en-GB"/>
           </a:p>
@@ -803,7 +803,7 @@
           <a:lstStyle/>
           <a:p>
             <a:r>
-              <a:rPr lang="de-DE" smtClean="0"/>
+              <a:rPr lang="de-DE"/>
               <a:t>Sven Schawald, Niklas Petersen, Aline Lanzrath</a:t>
             </a:r>
             <a:endParaRPr lang="en-GB"/>
@@ -879,7 +879,7 @@
           <a:lstStyle/>
           <a:p>
             <a:r>
-              <a:rPr lang="de-DE" smtClean="0"/>
+              <a:rPr lang="de-DE"/>
               <a:t>Titelmasterformat durch Klicken bearbeiten</a:t>
             </a:r>
             <a:endParaRPr lang="en-GB"/>
@@ -903,35 +903,35 @@
           <a:p>
             <a:pPr lvl="0"/>
             <a:r>
-              <a:rPr lang="de-DE" smtClean="0"/>
+              <a:rPr lang="de-DE"/>
               <a:t>Textmasterformat bearbeiten</a:t>
             </a:r>
           </a:p>
           <a:p>
             <a:pPr lvl="1"/>
             <a:r>
-              <a:rPr lang="de-DE" smtClean="0"/>
+              <a:rPr lang="de-DE"/>
               <a:t>Zweite Ebene</a:t>
             </a:r>
           </a:p>
           <a:p>
             <a:pPr lvl="2"/>
             <a:r>
-              <a:rPr lang="de-DE" smtClean="0"/>
+              <a:rPr lang="de-DE"/>
               <a:t>Dritte Ebene</a:t>
             </a:r>
           </a:p>
           <a:p>
             <a:pPr lvl="3"/>
             <a:r>
-              <a:rPr lang="de-DE" smtClean="0"/>
+              <a:rPr lang="de-DE"/>
               <a:t>Vierte Ebene</a:t>
             </a:r>
           </a:p>
           <a:p>
             <a:pPr lvl="4"/>
             <a:r>
-              <a:rPr lang="de-DE" smtClean="0"/>
+              <a:rPr lang="de-DE"/>
               <a:t>Fünfte Ebene</a:t>
             </a:r>
             <a:endParaRPr lang="en-GB"/>
@@ -955,7 +955,7 @@
           <a:p>
             <a:fld id="{9C8F56D7-F770-4326-8CE6-6AD17AD8280D}" type="datetime1">
               <a:rPr lang="en-GB" smtClean="0"/>
-              <a:t>01.06.20</a:t>
+              <a:t>02/06/2020</a:t>
             </a:fld>
             <a:endParaRPr lang="en-GB"/>
           </a:p>
@@ -977,7 +977,7 @@
           <a:lstStyle/>
           <a:p>
             <a:r>
-              <a:rPr lang="de-DE" smtClean="0"/>
+              <a:rPr lang="de-DE"/>
               <a:t>Sven Schawald, Niklas Petersen, Aline Lanzrath</a:t>
             </a:r>
             <a:endParaRPr lang="en-GB"/>
@@ -1058,7 +1058,7 @@
           <a:lstStyle/>
           <a:p>
             <a:r>
-              <a:rPr lang="de-DE" smtClean="0"/>
+              <a:rPr lang="de-DE"/>
               <a:t>Titelmasterformat durch Klicken bearbeiten</a:t>
             </a:r>
             <a:endParaRPr lang="en-GB"/>
@@ -1087,35 +1087,35 @@
           <a:p>
             <a:pPr lvl="0"/>
             <a:r>
-              <a:rPr lang="de-DE" smtClean="0"/>
+              <a:rPr lang="de-DE"/>
               <a:t>Textmasterformat bearbeiten</a:t>
             </a:r>
           </a:p>
           <a:p>
             <a:pPr lvl="1"/>
             <a:r>
-              <a:rPr lang="de-DE" smtClean="0"/>
+              <a:rPr lang="de-DE"/>
               <a:t>Zweite Ebene</a:t>
             </a:r>
           </a:p>
           <a:p>
             <a:pPr lvl="2"/>
             <a:r>
-              <a:rPr lang="de-DE" smtClean="0"/>
+              <a:rPr lang="de-DE"/>
               <a:t>Dritte Ebene</a:t>
             </a:r>
           </a:p>
           <a:p>
             <a:pPr lvl="3"/>
             <a:r>
-              <a:rPr lang="de-DE" smtClean="0"/>
+              <a:rPr lang="de-DE"/>
               <a:t>Vierte Ebene</a:t>
             </a:r>
           </a:p>
           <a:p>
             <a:pPr lvl="4"/>
             <a:r>
-              <a:rPr lang="de-DE" smtClean="0"/>
+              <a:rPr lang="de-DE"/>
               <a:t>Fünfte Ebene</a:t>
             </a:r>
             <a:endParaRPr lang="en-GB"/>
@@ -1139,7 +1139,7 @@
           <a:p>
             <a:fld id="{8F6C1B62-B150-4CBD-8FE9-855BE1BE7C46}" type="datetime1">
               <a:rPr lang="en-GB" smtClean="0"/>
-              <a:t>01.06.20</a:t>
+              <a:t>02/06/2020</a:t>
             </a:fld>
             <a:endParaRPr lang="en-GB"/>
           </a:p>
@@ -1161,7 +1161,7 @@
           <a:lstStyle/>
           <a:p>
             <a:r>
-              <a:rPr lang="de-DE" smtClean="0"/>
+              <a:rPr lang="de-DE"/>
               <a:t>Sven Schawald, Niklas Petersen, Aline Lanzrath</a:t>
             </a:r>
             <a:endParaRPr lang="en-GB"/>
@@ -1237,7 +1237,7 @@
           <a:lstStyle/>
           <a:p>
             <a:r>
-              <a:rPr lang="de-DE" smtClean="0"/>
+              <a:rPr lang="de-DE"/>
               <a:t>Titelmasterformat durch Klicken bearbeiten</a:t>
             </a:r>
             <a:endParaRPr lang="en-GB"/>
@@ -1261,35 +1261,35 @@
           <a:p>
             <a:pPr lvl="0"/>
             <a:r>
-              <a:rPr lang="de-DE" smtClean="0"/>
+              <a:rPr lang="de-DE"/>
               <a:t>Textmasterformat bearbeiten</a:t>
             </a:r>
           </a:p>
           <a:p>
             <a:pPr lvl="1"/>
             <a:r>
-              <a:rPr lang="de-DE" smtClean="0"/>
+              <a:rPr lang="de-DE"/>
               <a:t>Zweite Ebene</a:t>
             </a:r>
           </a:p>
           <a:p>
             <a:pPr lvl="2"/>
             <a:r>
-              <a:rPr lang="de-DE" smtClean="0"/>
+              <a:rPr lang="de-DE"/>
               <a:t>Dritte Ebene</a:t>
             </a:r>
           </a:p>
           <a:p>
             <a:pPr lvl="3"/>
             <a:r>
-              <a:rPr lang="de-DE" smtClean="0"/>
+              <a:rPr lang="de-DE"/>
               <a:t>Vierte Ebene</a:t>
             </a:r>
           </a:p>
           <a:p>
             <a:pPr lvl="4"/>
             <a:r>
-              <a:rPr lang="de-DE" smtClean="0"/>
+              <a:rPr lang="de-DE"/>
               <a:t>Fünfte Ebene</a:t>
             </a:r>
             <a:endParaRPr lang="en-GB"/>
@@ -1313,7 +1313,7 @@
           <a:p>
             <a:fld id="{1565DF98-DBE3-4594-B19B-896AA0344800}" type="datetime1">
               <a:rPr lang="en-GB" smtClean="0"/>
-              <a:t>01.06.20</a:t>
+              <a:t>02/06/2020</a:t>
             </a:fld>
             <a:endParaRPr lang="en-GB"/>
           </a:p>
@@ -1335,7 +1335,7 @@
           <a:lstStyle/>
           <a:p>
             <a:r>
-              <a:rPr lang="de-DE" smtClean="0"/>
+              <a:rPr lang="de-DE"/>
               <a:t>Sven Schawald, Niklas Petersen, Aline Lanzrath</a:t>
             </a:r>
             <a:endParaRPr lang="en-GB"/>
@@ -1420,7 +1420,7 @@
           </a:lstStyle>
           <a:p>
             <a:r>
-              <a:rPr lang="de-DE" smtClean="0"/>
+              <a:rPr lang="de-DE"/>
               <a:t>Titelmasterformat durch Klicken bearbeiten</a:t>
             </a:r>
             <a:endParaRPr lang="en-GB"/>
@@ -1540,7 +1540,7 @@
           <a:p>
             <a:pPr lvl="0"/>
             <a:r>
-              <a:rPr lang="de-DE" smtClean="0"/>
+              <a:rPr lang="de-DE"/>
               <a:t>Textmasterformat bearbeiten</a:t>
             </a:r>
           </a:p>
@@ -1563,7 +1563,7 @@
           <a:p>
             <a:fld id="{7F4DB7A9-DA8D-4D6D-B00C-435D2002E0A6}" type="datetime1">
               <a:rPr lang="en-GB" smtClean="0"/>
-              <a:t>01.06.20</a:t>
+              <a:t>02/06/2020</a:t>
             </a:fld>
             <a:endParaRPr lang="en-GB"/>
           </a:p>
@@ -1585,7 +1585,7 @@
           <a:lstStyle/>
           <a:p>
             <a:r>
-              <a:rPr lang="de-DE" smtClean="0"/>
+              <a:rPr lang="de-DE"/>
               <a:t>Sven Schawald, Niklas Petersen, Aline Lanzrath</a:t>
             </a:r>
             <a:endParaRPr lang="en-GB"/>
@@ -1661,7 +1661,7 @@
           <a:lstStyle/>
           <a:p>
             <a:r>
-              <a:rPr lang="de-DE" smtClean="0"/>
+              <a:rPr lang="de-DE"/>
               <a:t>Titelmasterformat durch Klicken bearbeiten</a:t>
             </a:r>
             <a:endParaRPr lang="en-GB"/>
@@ -1690,35 +1690,35 @@
           <a:p>
             <a:pPr lvl="0"/>
             <a:r>
-              <a:rPr lang="de-DE" smtClean="0"/>
+              <a:rPr lang="de-DE"/>
               <a:t>Textmasterformat bearbeiten</a:t>
             </a:r>
           </a:p>
           <a:p>
             <a:pPr lvl="1"/>
             <a:r>
-              <a:rPr lang="de-DE" smtClean="0"/>
+              <a:rPr lang="de-DE"/>
               <a:t>Zweite Ebene</a:t>
             </a:r>
           </a:p>
           <a:p>
             <a:pPr lvl="2"/>
             <a:r>
-              <a:rPr lang="de-DE" smtClean="0"/>
+              <a:rPr lang="de-DE"/>
               <a:t>Dritte Ebene</a:t>
             </a:r>
           </a:p>
           <a:p>
             <a:pPr lvl="3"/>
             <a:r>
-              <a:rPr lang="de-DE" smtClean="0"/>
+              <a:rPr lang="de-DE"/>
               <a:t>Vierte Ebene</a:t>
             </a:r>
           </a:p>
           <a:p>
             <a:pPr lvl="4"/>
             <a:r>
-              <a:rPr lang="de-DE" smtClean="0"/>
+              <a:rPr lang="de-DE"/>
               <a:t>Fünfte Ebene</a:t>
             </a:r>
             <a:endParaRPr lang="en-GB"/>
@@ -1747,35 +1747,35 @@
           <a:p>
             <a:pPr lvl="0"/>
             <a:r>
-              <a:rPr lang="de-DE" smtClean="0"/>
+              <a:rPr lang="de-DE"/>
               <a:t>Textmasterformat bearbeiten</a:t>
             </a:r>
           </a:p>
           <a:p>
             <a:pPr lvl="1"/>
             <a:r>
-              <a:rPr lang="de-DE" smtClean="0"/>
+              <a:rPr lang="de-DE"/>
               <a:t>Zweite Ebene</a:t>
             </a:r>
           </a:p>
           <a:p>
             <a:pPr lvl="2"/>
             <a:r>
-              <a:rPr lang="de-DE" smtClean="0"/>
+              <a:rPr lang="de-DE"/>
               <a:t>Dritte Ebene</a:t>
             </a:r>
           </a:p>
           <a:p>
             <a:pPr lvl="3"/>
             <a:r>
-              <a:rPr lang="de-DE" smtClean="0"/>
+              <a:rPr lang="de-DE"/>
               <a:t>Vierte Ebene</a:t>
             </a:r>
           </a:p>
           <a:p>
             <a:pPr lvl="4"/>
             <a:r>
-              <a:rPr lang="de-DE" smtClean="0"/>
+              <a:rPr lang="de-DE"/>
               <a:t>Fünfte Ebene</a:t>
             </a:r>
             <a:endParaRPr lang="en-GB"/>
@@ -1799,7 +1799,7 @@
           <a:p>
             <a:fld id="{22D8A78D-B1D5-450E-87E0-9DBA623A2B88}" type="datetime1">
               <a:rPr lang="en-GB" smtClean="0"/>
-              <a:t>01.06.20</a:t>
+              <a:t>02/06/2020</a:t>
             </a:fld>
             <a:endParaRPr lang="en-GB"/>
           </a:p>
@@ -1821,7 +1821,7 @@
           <a:lstStyle/>
           <a:p>
             <a:r>
-              <a:rPr lang="de-DE" smtClean="0"/>
+              <a:rPr lang="de-DE"/>
               <a:t>Sven Schawald, Niklas Petersen, Aline Lanzrath</a:t>
             </a:r>
             <a:endParaRPr lang="en-GB"/>
@@ -1902,7 +1902,7 @@
           <a:lstStyle/>
           <a:p>
             <a:r>
-              <a:rPr lang="de-DE" smtClean="0"/>
+              <a:rPr lang="de-DE"/>
               <a:t>Titelmasterformat durch Klicken bearbeiten</a:t>
             </a:r>
             <a:endParaRPr lang="en-GB"/>
@@ -1968,7 +1968,7 @@
           <a:p>
             <a:pPr lvl="0"/>
             <a:r>
-              <a:rPr lang="de-DE" smtClean="0"/>
+              <a:rPr lang="de-DE"/>
               <a:t>Textmasterformat bearbeiten</a:t>
             </a:r>
           </a:p>
@@ -1996,35 +1996,35 @@
           <a:p>
             <a:pPr lvl="0"/>
             <a:r>
-              <a:rPr lang="de-DE" smtClean="0"/>
+              <a:rPr lang="de-DE"/>
               <a:t>Textmasterformat bearbeiten</a:t>
             </a:r>
           </a:p>
           <a:p>
             <a:pPr lvl="1"/>
             <a:r>
-              <a:rPr lang="de-DE" smtClean="0"/>
+              <a:rPr lang="de-DE"/>
               <a:t>Zweite Ebene</a:t>
             </a:r>
           </a:p>
           <a:p>
             <a:pPr lvl="2"/>
             <a:r>
-              <a:rPr lang="de-DE" smtClean="0"/>
+              <a:rPr lang="de-DE"/>
               <a:t>Dritte Ebene</a:t>
             </a:r>
           </a:p>
           <a:p>
             <a:pPr lvl="3"/>
             <a:r>
-              <a:rPr lang="de-DE" smtClean="0"/>
+              <a:rPr lang="de-DE"/>
               <a:t>Vierte Ebene</a:t>
             </a:r>
           </a:p>
           <a:p>
             <a:pPr lvl="4"/>
             <a:r>
-              <a:rPr lang="de-DE" smtClean="0"/>
+              <a:rPr lang="de-DE"/>
               <a:t>Fünfte Ebene</a:t>
             </a:r>
             <a:endParaRPr lang="en-GB"/>
@@ -2090,7 +2090,7 @@
           <a:p>
             <a:pPr lvl="0"/>
             <a:r>
-              <a:rPr lang="de-DE" smtClean="0"/>
+              <a:rPr lang="de-DE"/>
               <a:t>Textmasterformat bearbeiten</a:t>
             </a:r>
           </a:p>
@@ -2118,35 +2118,35 @@
           <a:p>
             <a:pPr lvl="0"/>
             <a:r>
-              <a:rPr lang="de-DE" smtClean="0"/>
+              <a:rPr lang="de-DE"/>
               <a:t>Textmasterformat bearbeiten</a:t>
             </a:r>
           </a:p>
           <a:p>
             <a:pPr lvl="1"/>
             <a:r>
-              <a:rPr lang="de-DE" smtClean="0"/>
+              <a:rPr lang="de-DE"/>
               <a:t>Zweite Ebene</a:t>
             </a:r>
           </a:p>
           <a:p>
             <a:pPr lvl="2"/>
             <a:r>
-              <a:rPr lang="de-DE" smtClean="0"/>
+              <a:rPr lang="de-DE"/>
               <a:t>Dritte Ebene</a:t>
             </a:r>
           </a:p>
           <a:p>
             <a:pPr lvl="3"/>
             <a:r>
-              <a:rPr lang="de-DE" smtClean="0"/>
+              <a:rPr lang="de-DE"/>
               <a:t>Vierte Ebene</a:t>
             </a:r>
           </a:p>
           <a:p>
             <a:pPr lvl="4"/>
             <a:r>
-              <a:rPr lang="de-DE" smtClean="0"/>
+              <a:rPr lang="de-DE"/>
               <a:t>Fünfte Ebene</a:t>
             </a:r>
             <a:endParaRPr lang="en-GB"/>
@@ -2170,7 +2170,7 @@
           <a:p>
             <a:fld id="{BB1DDEBB-20EC-4940-9F16-8793BFD570FB}" type="datetime1">
               <a:rPr lang="en-GB" smtClean="0"/>
-              <a:t>01.06.20</a:t>
+              <a:t>02/06/2020</a:t>
             </a:fld>
             <a:endParaRPr lang="en-GB"/>
           </a:p>
@@ -2192,7 +2192,7 @@
           <a:lstStyle/>
           <a:p>
             <a:r>
-              <a:rPr lang="de-DE" smtClean="0"/>
+              <a:rPr lang="de-DE"/>
               <a:t>Sven Schawald, Niklas Petersen, Aline Lanzrath</a:t>
             </a:r>
             <a:endParaRPr lang="en-GB"/>
@@ -2268,7 +2268,7 @@
           <a:lstStyle/>
           <a:p>
             <a:r>
-              <a:rPr lang="de-DE" smtClean="0"/>
+              <a:rPr lang="de-DE"/>
               <a:t>Titelmasterformat durch Klicken bearbeiten</a:t>
             </a:r>
             <a:endParaRPr lang="en-GB"/>
@@ -2292,7 +2292,7 @@
           <a:p>
             <a:fld id="{3ABF1B0E-6560-44E0-8D43-FC17F65D98B1}" type="datetime1">
               <a:rPr lang="en-GB" smtClean="0"/>
-              <a:t>01.06.20</a:t>
+              <a:t>02/06/2020</a:t>
             </a:fld>
             <a:endParaRPr lang="en-GB"/>
           </a:p>
@@ -2314,7 +2314,7 @@
           <a:lstStyle/>
           <a:p>
             <a:r>
-              <a:rPr lang="de-DE" smtClean="0"/>
+              <a:rPr lang="de-DE"/>
               <a:t>Sven Schawald, Niklas Petersen, Aline Lanzrath</a:t>
             </a:r>
             <a:endParaRPr lang="en-GB"/>
@@ -2391,7 +2391,7 @@
           <a:p>
             <a:fld id="{7FEC756B-67F2-4A58-9DCC-12FE49DEA8C7}" type="datetime1">
               <a:rPr lang="en-GB" smtClean="0"/>
-              <a:t>01.06.20</a:t>
+              <a:t>02/06/2020</a:t>
             </a:fld>
             <a:endParaRPr lang="en-GB"/>
           </a:p>
@@ -2413,7 +2413,7 @@
           <a:lstStyle/>
           <a:p>
             <a:r>
-              <a:rPr lang="de-DE" smtClean="0"/>
+              <a:rPr lang="de-DE"/>
               <a:t>Sven Schawald, Niklas Petersen, Aline Lanzrath</a:t>
             </a:r>
             <a:endParaRPr lang="en-GB"/>
@@ -2498,7 +2498,7 @@
           </a:lstStyle>
           <a:p>
             <a:r>
-              <a:rPr lang="de-DE" smtClean="0"/>
+              <a:rPr lang="de-DE"/>
               <a:t>Titelmasterformat durch Klicken bearbeiten</a:t>
             </a:r>
             <a:endParaRPr lang="en-GB"/>
@@ -2555,35 +2555,35 @@
           <a:p>
             <a:pPr lvl="0"/>
             <a:r>
-              <a:rPr lang="de-DE" smtClean="0"/>
+              <a:rPr lang="de-DE"/>
               <a:t>Textmasterformat bearbeiten</a:t>
             </a:r>
           </a:p>
           <a:p>
             <a:pPr lvl="1"/>
             <a:r>
-              <a:rPr lang="de-DE" smtClean="0"/>
+              <a:rPr lang="de-DE"/>
               <a:t>Zweite Ebene</a:t>
             </a:r>
           </a:p>
           <a:p>
             <a:pPr lvl="2"/>
             <a:r>
-              <a:rPr lang="de-DE" smtClean="0"/>
+              <a:rPr lang="de-DE"/>
               <a:t>Dritte Ebene</a:t>
             </a:r>
           </a:p>
           <a:p>
             <a:pPr lvl="3"/>
             <a:r>
-              <a:rPr lang="de-DE" smtClean="0"/>
+              <a:rPr lang="de-DE"/>
               <a:t>Vierte Ebene</a:t>
             </a:r>
           </a:p>
           <a:p>
             <a:pPr lvl="4"/>
             <a:r>
-              <a:rPr lang="de-DE" smtClean="0"/>
+              <a:rPr lang="de-DE"/>
               <a:t>Fünfte Ebene</a:t>
             </a:r>
             <a:endParaRPr lang="en-GB"/>
@@ -2649,7 +2649,7 @@
           <a:p>
             <a:pPr lvl="0"/>
             <a:r>
-              <a:rPr lang="de-DE" smtClean="0"/>
+              <a:rPr lang="de-DE"/>
               <a:t>Textmasterformat bearbeiten</a:t>
             </a:r>
           </a:p>
@@ -2672,7 +2672,7 @@
           <a:p>
             <a:fld id="{42BE03AF-1ECB-427C-8D1F-EAA0B28B4FE4}" type="datetime1">
               <a:rPr lang="en-GB" smtClean="0"/>
-              <a:t>01.06.20</a:t>
+              <a:t>02/06/2020</a:t>
             </a:fld>
             <a:endParaRPr lang="en-GB"/>
           </a:p>
@@ -2694,7 +2694,7 @@
           <a:lstStyle/>
           <a:p>
             <a:r>
-              <a:rPr lang="de-DE" smtClean="0"/>
+              <a:rPr lang="de-DE"/>
               <a:t>Sven Schawald, Niklas Petersen, Aline Lanzrath</a:t>
             </a:r>
             <a:endParaRPr lang="en-GB"/>
@@ -2779,7 +2779,7 @@
           </a:lstStyle>
           <a:p>
             <a:r>
-              <a:rPr lang="de-DE" smtClean="0"/>
+              <a:rPr lang="de-DE"/>
               <a:t>Titelmasterformat durch Klicken bearbeiten</a:t>
             </a:r>
             <a:endParaRPr lang="en-GB"/>
@@ -2906,7 +2906,7 @@
           <a:p>
             <a:pPr lvl="0"/>
             <a:r>
-              <a:rPr lang="de-DE" smtClean="0"/>
+              <a:rPr lang="de-DE"/>
               <a:t>Textmasterformat bearbeiten</a:t>
             </a:r>
           </a:p>
@@ -2929,7 +2929,7 @@
           <a:p>
             <a:fld id="{A35D80E1-7281-4A1F-B33F-3765B76DFB9C}" type="datetime1">
               <a:rPr lang="en-GB" smtClean="0"/>
-              <a:t>01.06.20</a:t>
+              <a:t>02/06/2020</a:t>
             </a:fld>
             <a:endParaRPr lang="en-GB"/>
           </a:p>
@@ -2951,7 +2951,7 @@
           <a:lstStyle/>
           <a:p>
             <a:r>
-              <a:rPr lang="de-DE" smtClean="0"/>
+              <a:rPr lang="de-DE"/>
               <a:t>Sven Schawald, Niklas Petersen, Aline Lanzrath</a:t>
             </a:r>
             <a:endParaRPr lang="en-GB"/>
@@ -3042,7 +3042,7 @@
           <a:lstStyle/>
           <a:p>
             <a:r>
-              <a:rPr lang="de-DE" smtClean="0"/>
+              <a:rPr lang="de-DE"/>
               <a:t>Titelmasterformat durch Klicken bearbeiten</a:t>
             </a:r>
             <a:endParaRPr lang="en-GB"/>
@@ -3076,35 +3076,35 @@
           <a:p>
             <a:pPr lvl="0"/>
             <a:r>
-              <a:rPr lang="de-DE" smtClean="0"/>
+              <a:rPr lang="de-DE"/>
               <a:t>Textmasterformat bearbeiten</a:t>
             </a:r>
           </a:p>
           <a:p>
             <a:pPr lvl="1"/>
             <a:r>
-              <a:rPr lang="de-DE" smtClean="0"/>
+              <a:rPr lang="de-DE"/>
               <a:t>Zweite Ebene</a:t>
             </a:r>
           </a:p>
           <a:p>
             <a:pPr lvl="2"/>
             <a:r>
-              <a:rPr lang="de-DE" smtClean="0"/>
+              <a:rPr lang="de-DE"/>
               <a:t>Dritte Ebene</a:t>
             </a:r>
           </a:p>
           <a:p>
             <a:pPr lvl="3"/>
             <a:r>
-              <a:rPr lang="de-DE" smtClean="0"/>
+              <a:rPr lang="de-DE"/>
               <a:t>Vierte Ebene</a:t>
             </a:r>
           </a:p>
           <a:p>
             <a:pPr lvl="4"/>
             <a:r>
-              <a:rPr lang="de-DE" smtClean="0"/>
+              <a:rPr lang="de-DE"/>
               <a:t>Fünfte Ebene</a:t>
             </a:r>
             <a:endParaRPr lang="en-GB"/>
@@ -3146,7 +3146,7 @@
           <a:p>
             <a:fld id="{A827EFE3-952D-48BF-97D3-50F265CB0719}" type="datetime1">
               <a:rPr lang="en-GB" smtClean="0"/>
-              <a:t>01.06.20</a:t>
+              <a:t>02/06/2020</a:t>
             </a:fld>
             <a:endParaRPr lang="en-GB"/>
           </a:p>
@@ -3186,7 +3186,7 @@
           </a:lstStyle>
           <a:p>
             <a:r>
-              <a:rPr lang="de-DE" smtClean="0"/>
+              <a:rPr lang="de-DE"/>
               <a:t>Sven Schawald, Niklas Petersen, Aline Lanzrath</a:t>
             </a:r>
             <a:endParaRPr lang="en-GB"/>
@@ -3592,10 +3592,6 @@
               <a:rPr lang="en-GB" b="1" dirty="0" err="1"/>
               <a:t>maschinelles</a:t>
             </a:r>
-            <a:r>
-              <a:rPr lang="en-GB" b="1" dirty="0"/>
-              <a:t/>
-            </a:r>
             <a:br>
               <a:rPr lang="en-GB" b="1" dirty="0"/>
             </a:br>
@@ -3641,38 +3637,22 @@
           <a:lstStyle/>
           <a:p>
             <a:r>
-              <a:rPr lang="de-DE" b="1" dirty="0" smtClean="0"/>
+              <a:rPr lang="de-DE" b="1" dirty="0"/>
               <a:t>Gruppe 02</a:t>
             </a:r>
           </a:p>
           <a:p>
             <a:r>
-              <a:rPr lang="de-DE" dirty="0" smtClean="0"/>
-              <a:t>Sven </a:t>
-            </a:r>
-            <a:r>
-              <a:rPr lang="de-DE" dirty="0" err="1" smtClean="0"/>
-              <a:t>Schawald</a:t>
-            </a:r>
-            <a:r>
-              <a:rPr lang="de-DE" dirty="0" smtClean="0"/>
-              <a:t>, </a:t>
-            </a:r>
-            <a:r>
-              <a:rPr lang="de-DE" dirty="0" smtClean="0"/>
-              <a:t>Niklas Peters, </a:t>
-            </a:r>
-            <a:r>
-              <a:rPr lang="de-DE" dirty="0" smtClean="0"/>
-              <a:t>Aline Lanzrath</a:t>
-            </a:r>
-          </a:p>
-          <a:p>
-            <a:endParaRPr lang="de-DE" dirty="0" smtClean="0"/>
-          </a:p>
-          <a:p>
-            <a:r>
-              <a:rPr lang="de-DE" sz="2000" dirty="0" smtClean="0"/>
+              <a:rPr lang="de-DE" dirty="0"/>
+              <a:t>Sven Schadwald, Niklas Peters, Aline Lanzrath</a:t>
+            </a:r>
+          </a:p>
+          <a:p>
+            <a:endParaRPr lang="de-DE" dirty="0"/>
+          </a:p>
+          <a:p>
+            <a:r>
+              <a:rPr lang="de-DE" sz="2000" dirty="0"/>
               <a:t>08.06.2020</a:t>
             </a:r>
             <a:endParaRPr lang="en-GB" sz="2000" dirty="0"/>
@@ -3719,27 +3699,19 @@
           <a:lstStyle/>
           <a:p>
             <a:r>
-              <a:rPr lang="de-DE" dirty="0" smtClean="0"/>
+              <a:rPr lang="de-DE" dirty="0"/>
               <a:t>Sven </a:t>
             </a:r>
             <a:r>
-              <a:rPr lang="de-DE" dirty="0" err="1" smtClean="0"/>
+              <a:rPr lang="de-DE" dirty="0" err="1"/>
               <a:t>Schawald</a:t>
             </a:r>
             <a:r>
-              <a:rPr lang="de-DE" dirty="0" smtClean="0"/>
-              <a:t>, Niklas </a:t>
-            </a:r>
-            <a:r>
-              <a:rPr lang="de-DE" dirty="0" smtClean="0"/>
-              <a:t>Peters, </a:t>
-            </a:r>
-            <a:r>
-              <a:rPr lang="de-DE" dirty="0" smtClean="0"/>
-              <a:t>Aline </a:t>
-            </a:r>
-            <a:r>
-              <a:rPr lang="de-DE" dirty="0" err="1" smtClean="0"/>
+              <a:rPr lang="de-DE" dirty="0"/>
+              <a:t>, Niklas Peters, Aline </a:t>
+            </a:r>
+            <a:r>
+              <a:rPr lang="de-DE" dirty="0" err="1"/>
               <a:t>Lanzrath</a:t>
             </a:r>
             <a:endParaRPr lang="en-GB" dirty="0"/>
@@ -3827,14 +3799,14 @@
           <a:effectLst/>
           <a:extLst>
             <a:ext uri="{909E8E84-426E-40dd-AFC4-6F175D3DCCD1}">
-              <a14:hiddenFill xmlns:a14="http://schemas.microsoft.com/office/drawing/2010/main">
+              <a14:hiddenFill xmlns:a14="http://schemas.microsoft.com/office/drawing/2010/main" xmlns="">
                 <a:solidFill>
                   <a:schemeClr val="accent1"/>
                 </a:solidFill>
               </a14:hiddenFill>
             </a:ext>
             <a:ext uri="{91240B29-F687-4f45-9708-019B960494DF}">
-              <a14:hiddenLine xmlns:a14="http://schemas.microsoft.com/office/drawing/2010/main" w="25400" cap="flat" cmpd="sng" algn="ctr">
+              <a14:hiddenLine xmlns:a14="http://schemas.microsoft.com/office/drawing/2010/main" xmlns="" w="25400" cap="flat" cmpd="sng" algn="ctr">
                 <a:solidFill>
                   <a:schemeClr val="accent1">
                     <a:shade val="50000"/>
@@ -4143,16 +4115,12 @@
           <a:lstStyle/>
           <a:p>
             <a:r>
-              <a:rPr lang="en-US" b="1" dirty="0" smtClean="0">
+              <a:rPr lang="en-US" b="1" dirty="0">
                 <a:latin typeface="+mn-lt"/>
                 <a:cs typeface="Arial" panose="020B0604020202020204" pitchFamily="34" charset="0"/>
               </a:rPr>
               <a:t>Agenda</a:t>
             </a:r>
-            <a:endParaRPr lang="en-US" b="1" dirty="0">
-              <a:latin typeface="+mn-lt"/>
-              <a:cs typeface="Arial" panose="020B0604020202020204" pitchFamily="34" charset="0"/>
-            </a:endParaRPr>
           </a:p>
         </p:txBody>
       </p:sp>
@@ -4260,14 +4228,14 @@
           <a:effectLst/>
           <a:extLst>
             <a:ext uri="{909E8E84-426E-40dd-AFC4-6F175D3DCCD1}">
-              <a14:hiddenFill xmlns:a14="http://schemas.microsoft.com/office/drawing/2010/main">
+              <a14:hiddenFill xmlns:a14="http://schemas.microsoft.com/office/drawing/2010/main" xmlns="">
                 <a:solidFill>
                   <a:schemeClr val="accent1"/>
                 </a:solidFill>
               </a14:hiddenFill>
             </a:ext>
             <a:ext uri="{91240B29-F687-4f45-9708-019B960494DF}">
-              <a14:hiddenLine xmlns:a14="http://schemas.microsoft.com/office/drawing/2010/main" w="25400" cap="flat" cmpd="sng" algn="ctr">
+              <a14:hiddenLine xmlns:a14="http://schemas.microsoft.com/office/drawing/2010/main" xmlns="" w="25400" cap="flat" cmpd="sng" algn="ctr">
                 <a:solidFill>
                   <a:schemeClr val="accent1">
                     <a:shade val="50000"/>
@@ -4436,14 +4404,14 @@
           <a:effectLst/>
           <a:extLst>
             <a:ext uri="{909E8E84-426E-40dd-AFC4-6F175D3DCCD1}">
-              <a14:hiddenFill xmlns:a14="http://schemas.microsoft.com/office/drawing/2010/main">
+              <a14:hiddenFill xmlns:a14="http://schemas.microsoft.com/office/drawing/2010/main" xmlns="">
                 <a:solidFill>
                   <a:schemeClr val="accent1"/>
                 </a:solidFill>
               </a14:hiddenFill>
             </a:ext>
             <a:ext uri="{91240B29-F687-4f45-9708-019B960494DF}">
-              <a14:hiddenLine xmlns:a14="http://schemas.microsoft.com/office/drawing/2010/main" w="25400" cap="flat" cmpd="sng" algn="ctr">
+              <a14:hiddenLine xmlns:a14="http://schemas.microsoft.com/office/drawing/2010/main" xmlns="" w="25400" cap="flat" cmpd="sng" algn="ctr">
                 <a:solidFill>
                   <a:schemeClr val="accent1">
                     <a:shade val="50000"/>
@@ -4488,7 +4456,7 @@
               </a:spcAft>
             </a:pPr>
             <a:r>
-              <a:rPr lang="en-US" b="1" dirty="0" err="1" smtClean="0">
+              <a:rPr lang="en-US" b="1" dirty="0" err="1">
                 <a:solidFill>
                   <a:prstClr val="black">
                     <a:lumMod val="100000"/>
@@ -4498,7 +4466,7 @@
               <a:t>Vorstellung</a:t>
             </a:r>
             <a:r>
-              <a:rPr lang="en-US" b="1" dirty="0" smtClean="0">
+              <a:rPr lang="en-US" b="1" dirty="0">
                 <a:solidFill>
                   <a:prstClr val="black">
                     <a:lumMod val="100000"/>
@@ -4508,7 +4476,7 @@
               <a:t> </a:t>
             </a:r>
             <a:r>
-              <a:rPr lang="en-US" b="1" dirty="0" err="1" smtClean="0">
+              <a:rPr lang="en-US" b="1" dirty="0" err="1">
                 <a:solidFill>
                   <a:prstClr val="black">
                     <a:lumMod val="100000"/>
@@ -4518,7 +4486,7 @@
               <a:t>Datensatz</a:t>
             </a:r>
             <a:r>
-              <a:rPr lang="en-US" b="1" dirty="0" smtClean="0">
+              <a:rPr lang="en-US" b="1" dirty="0">
                 <a:solidFill>
                   <a:prstClr val="black">
                     <a:lumMod val="100000"/>
@@ -4527,13 +4495,6 @@
               </a:rPr>
               <a:t> </a:t>
             </a:r>
-            <a:endParaRPr lang="en-US" b="1" dirty="0">
-              <a:solidFill>
-                <a:prstClr val="black">
-                  <a:lumMod val="100000"/>
-                </a:prstClr>
-              </a:solidFill>
-            </a:endParaRPr>
           </a:p>
         </p:txBody>
       </p:sp>
@@ -4641,14 +4602,14 @@
           <a:effectLst/>
           <a:extLst>
             <a:ext uri="{909E8E84-426E-40dd-AFC4-6F175D3DCCD1}">
-              <a14:hiddenFill xmlns:a14="http://schemas.microsoft.com/office/drawing/2010/main">
+              <a14:hiddenFill xmlns:a14="http://schemas.microsoft.com/office/drawing/2010/main" xmlns="">
                 <a:solidFill>
                   <a:schemeClr val="accent1"/>
                 </a:solidFill>
               </a14:hiddenFill>
             </a:ext>
             <a:ext uri="{91240B29-F687-4f45-9708-019B960494DF}">
-              <a14:hiddenLine xmlns:a14="http://schemas.microsoft.com/office/drawing/2010/main" w="25400" cap="flat" cmpd="sng" algn="ctr">
+              <a14:hiddenLine xmlns:a14="http://schemas.microsoft.com/office/drawing/2010/main" xmlns="" w="25400" cap="flat" cmpd="sng" algn="ctr">
                 <a:solidFill>
                   <a:schemeClr val="accent1">
                     <a:shade val="50000"/>
@@ -4731,20 +4692,10 @@
                   </a:prstClr>
                 </a:solidFill>
               </a:rPr>
-              <a:t> am </a:t>
-            </a:r>
-            <a:r>
-              <a:rPr lang="en-US" b="1" dirty="0" smtClean="0">
-                <a:solidFill>
-                  <a:prstClr val="black">
-                    <a:lumMod val="100000"/>
-                  </a:prstClr>
-                </a:solidFill>
-              </a:rPr>
-              <a:t>04.06.2019 </a:t>
-            </a:r>
-            <a:r>
-              <a:rPr lang="en-US" b="1" dirty="0" err="1" smtClean="0">
+              <a:t> am 04.06.2019 </a:t>
+            </a:r>
+            <a:r>
+              <a:rPr lang="en-US" b="1" dirty="0" err="1">
                 <a:solidFill>
                   <a:prstClr val="black">
                     <a:lumMod val="100000"/>
@@ -4754,7 +4705,7 @@
               <a:t>mit</a:t>
             </a:r>
             <a:r>
-              <a:rPr lang="en-US" b="1" dirty="0" smtClean="0">
+              <a:rPr lang="en-US" b="1" dirty="0">
                 <a:solidFill>
                   <a:prstClr val="black">
                     <a:lumMod val="100000"/>
@@ -4801,14 +4752,14 @@
           <a:effectLst/>
           <a:extLst>
             <a:ext uri="{909E8E84-426E-40dd-AFC4-6F175D3DCCD1}">
-              <a14:hiddenFill xmlns:a14="http://schemas.microsoft.com/office/drawing/2010/main">
+              <a14:hiddenFill xmlns:a14="http://schemas.microsoft.com/office/drawing/2010/main" xmlns="">
                 <a:solidFill>
                   <a:schemeClr val="accent1"/>
                 </a:solidFill>
               </a14:hiddenFill>
             </a:ext>
             <a:ext uri="{91240B29-F687-4f45-9708-019B960494DF}">
-              <a14:hiddenLine xmlns:a14="http://schemas.microsoft.com/office/drawing/2010/main" w="25400" cap="flat" cmpd="sng" algn="ctr">
+              <a14:hiddenLine xmlns:a14="http://schemas.microsoft.com/office/drawing/2010/main" xmlns="" w="25400" cap="flat" cmpd="sng" algn="ctr">
                 <a:solidFill>
                   <a:schemeClr val="accent1">
                     <a:shade val="50000"/>
@@ -4854,7 +4805,7 @@
               <a:defRPr/>
             </a:pPr>
             <a:r>
-              <a:rPr lang="en-US" b="1" dirty="0" err="1" smtClean="0">
+              <a:rPr lang="en-US" b="1" dirty="0" err="1">
                 <a:solidFill>
                   <a:prstClr val="black">
                     <a:lumMod val="100000"/>
@@ -4864,7 +4815,7 @@
               <a:t>Vorhersage</a:t>
             </a:r>
             <a:r>
-              <a:rPr lang="en-US" b="1" dirty="0" smtClean="0">
+              <a:rPr lang="en-US" b="1" dirty="0">
                 <a:solidFill>
                   <a:prstClr val="black">
                     <a:lumMod val="100000"/>
@@ -4874,7 +4825,7 @@
               <a:t> des </a:t>
             </a:r>
             <a:r>
-              <a:rPr lang="en-US" b="1" dirty="0" err="1" smtClean="0">
+              <a:rPr lang="en-US" b="1" dirty="0" err="1">
                 <a:solidFill>
                   <a:prstClr val="black">
                     <a:lumMod val="100000"/>
@@ -4884,7 +4835,7 @@
               <a:t>Umsatzes</a:t>
             </a:r>
             <a:r>
-              <a:rPr lang="en-US" b="1" dirty="0" smtClean="0">
+              <a:rPr lang="en-US" b="1" dirty="0">
                 <a:solidFill>
                   <a:prstClr val="black">
                     <a:lumMod val="100000"/>
@@ -4894,7 +4845,7 @@
               <a:t> am 04.06.2019 </a:t>
             </a:r>
             <a:r>
-              <a:rPr lang="en-US" b="1" dirty="0" err="1" smtClean="0">
+              <a:rPr lang="en-US" b="1" dirty="0" err="1">
                 <a:solidFill>
                   <a:prstClr val="black">
                     <a:lumMod val="100000"/>
@@ -4904,7 +4855,7 @@
               <a:t>durch</a:t>
             </a:r>
             <a:r>
-              <a:rPr lang="en-US" b="1" dirty="0" smtClean="0">
+              <a:rPr lang="en-US" b="1" dirty="0">
                 <a:solidFill>
                   <a:prstClr val="black">
                     <a:lumMod val="100000"/>
@@ -4914,7 +4865,7 @@
               <a:t> </a:t>
             </a:r>
             <a:r>
-              <a:rPr lang="en-US" b="1" dirty="0" err="1" smtClean="0">
+              <a:rPr lang="en-US" b="1" dirty="0" err="1">
                 <a:solidFill>
                   <a:prstClr val="black">
                     <a:lumMod val="100000"/>
@@ -4924,7 +4875,7 @@
               <a:t>neuronales</a:t>
             </a:r>
             <a:r>
-              <a:rPr lang="en-US" b="1" dirty="0" smtClean="0">
+              <a:rPr lang="en-US" b="1" dirty="0">
                 <a:solidFill>
                   <a:prstClr val="black">
                     <a:lumMod val="100000"/>
@@ -4934,7 +4885,7 @@
               <a:t> </a:t>
             </a:r>
             <a:r>
-              <a:rPr lang="en-US" b="1" dirty="0" err="1" smtClean="0">
+              <a:rPr lang="en-US" b="1" dirty="0" err="1">
                 <a:solidFill>
                   <a:prstClr val="black">
                     <a:lumMod val="100000"/>
@@ -5094,27 +5045,19 @@
           <a:lstStyle/>
           <a:p>
             <a:r>
-              <a:rPr lang="de-DE" dirty="0" smtClean="0"/>
+              <a:rPr lang="de-DE" dirty="0"/>
               <a:t>Sven </a:t>
             </a:r>
             <a:r>
-              <a:rPr lang="de-DE" dirty="0" err="1" smtClean="0"/>
+              <a:rPr lang="de-DE" dirty="0" err="1"/>
               <a:t>Schawald</a:t>
             </a:r>
             <a:r>
-              <a:rPr lang="de-DE" dirty="0" smtClean="0"/>
-              <a:t>, Niklas </a:t>
-            </a:r>
-            <a:r>
-              <a:rPr lang="de-DE" dirty="0" smtClean="0"/>
-              <a:t>Peters, </a:t>
-            </a:r>
-            <a:r>
-              <a:rPr lang="de-DE" dirty="0" smtClean="0"/>
-              <a:t>Aline </a:t>
-            </a:r>
-            <a:r>
-              <a:rPr lang="de-DE" dirty="0" err="1" smtClean="0"/>
+              <a:rPr lang="de-DE" dirty="0"/>
+              <a:t>, Niklas Peters, Aline </a:t>
+            </a:r>
+            <a:r>
+              <a:rPr lang="de-DE" dirty="0" err="1"/>
               <a:t>Lanzrath</a:t>
             </a:r>
             <a:endParaRPr lang="en-GB" dirty="0"/>
@@ -5134,13 +5077,6 @@
   <p:clrMapOvr>
     <a:masterClrMapping/>
   </p:clrMapOvr>
-  <p:timing>
-    <p:tnLst>
-      <p:par>
-        <p:cTn xmlns:p14="http://schemas.microsoft.com/office/powerpoint/2010/main" id="1" dur="indefinite" restart="never" nodeType="tmRoot"/>
-      </p:par>
-    </p:tnLst>
-  </p:timing>
 </p:sld>
 </file>
 
@@ -5188,7 +5124,7 @@
               <a:buAutoNum type="romanUcPeriod"/>
             </a:pPr>
             <a:r>
-              <a:rPr lang="de-DE" b="1" dirty="0" smtClean="0"/>
+              <a:rPr lang="de-DE" b="1" dirty="0"/>
               <a:t>Vorstellung des Datensatzes</a:t>
             </a:r>
             <a:endParaRPr lang="en-GB" b="1" dirty="0"/>
@@ -5225,7 +5161,7 @@
               <a:buChar char="§"/>
             </a:pPr>
             <a:r>
-              <a:rPr lang="de-DE" sz="1800" b="1" dirty="0" smtClean="0"/>
+              <a:rPr lang="de-DE" sz="1800" b="1" dirty="0"/>
               <a:t>Produktbezogene Einflussfaktoren </a:t>
             </a:r>
           </a:p>
@@ -5236,11 +5172,11 @@
               </a:spcAft>
             </a:pPr>
             <a:r>
-              <a:rPr lang="de-DE" sz="1600" b="1" dirty="0" smtClean="0"/>
+              <a:rPr lang="de-DE" sz="1600" b="1" dirty="0"/>
               <a:t>Warengruppe:  </a:t>
             </a:r>
             <a:r>
-              <a:rPr lang="de-DE" sz="1600" dirty="0" smtClean="0"/>
+              <a:rPr lang="de-DE" sz="1600" dirty="0"/>
               <a:t>Nominalskaliert. Kodierung: </a:t>
             </a:r>
             <a:r>
@@ -5248,42 +5184,42 @@
               <a:t>1 </a:t>
             </a:r>
             <a:r>
-              <a:rPr lang="en-GB" sz="1400" i="1" dirty="0" err="1" smtClean="0"/>
+              <a:rPr lang="en-GB" sz="1400" i="1" dirty="0" err="1"/>
               <a:t>Brot</a:t>
             </a:r>
             <a:r>
-              <a:rPr lang="en-GB" sz="1400" i="1" dirty="0" smtClean="0"/>
+              <a:rPr lang="en-GB" sz="1400" i="1" dirty="0"/>
               <a:t>, 2 </a:t>
             </a:r>
             <a:r>
-              <a:rPr lang="en-GB" sz="1400" i="1" dirty="0" err="1" smtClean="0"/>
+              <a:rPr lang="en-GB" sz="1400" i="1" dirty="0" err="1"/>
               <a:t>Brötchen</a:t>
             </a:r>
             <a:r>
-              <a:rPr lang="en-GB" sz="1400" i="1" dirty="0" smtClean="0"/>
+              <a:rPr lang="en-GB" sz="1400" i="1" dirty="0"/>
               <a:t>, 3 Croissant, 4 </a:t>
             </a:r>
             <a:r>
-              <a:rPr lang="en-GB" sz="1400" i="1" dirty="0" err="1" smtClean="0"/>
+              <a:rPr lang="en-GB" sz="1400" i="1" dirty="0" err="1"/>
               <a:t>Konditorei</a:t>
             </a:r>
             <a:r>
-              <a:rPr lang="en-GB" sz="1400" i="1" dirty="0" smtClean="0"/>
+              <a:rPr lang="en-GB" sz="1400" i="1" dirty="0"/>
               <a:t>, 5 </a:t>
             </a:r>
             <a:r>
-              <a:rPr lang="en-GB" sz="1400" i="1" dirty="0" err="1" smtClean="0"/>
+              <a:rPr lang="en-GB" sz="1400" i="1" dirty="0" err="1"/>
               <a:t>Kuchen</a:t>
             </a:r>
             <a:r>
-              <a:rPr lang="en-GB" sz="1400" i="1" dirty="0" smtClean="0"/>
+              <a:rPr lang="en-GB" sz="1400" i="1" dirty="0"/>
               <a:t>, 6 </a:t>
             </a:r>
             <a:r>
               <a:rPr lang="en-GB" sz="1400" i="1" dirty="0" err="1"/>
               <a:t>Saisonbrot</a:t>
             </a:r>
-            <a:endParaRPr lang="de-DE" sz="1400" i="1" dirty="0" smtClean="0"/>
+            <a:endParaRPr lang="de-DE" sz="1400" i="1" dirty="0"/>
           </a:p>
           <a:p>
             <a:pPr>
@@ -5292,69 +5228,61 @@
               </a:spcAft>
             </a:pPr>
             <a:r>
-              <a:rPr lang="de-DE" sz="1800" b="1" dirty="0" smtClean="0"/>
+              <a:rPr lang="de-DE" sz="1800" b="1" dirty="0"/>
               <a:t>Wetterbezogene Einflussfaktoren</a:t>
             </a:r>
           </a:p>
           <a:p>
             <a:pPr lvl="1"/>
             <a:r>
-              <a:rPr lang="de-DE" sz="1600" b="1" dirty="0" smtClean="0"/>
+              <a:rPr lang="de-DE" sz="1600" b="1" dirty="0"/>
               <a:t>Temperatur: </a:t>
             </a:r>
             <a:r>
-              <a:rPr lang="de-DE" sz="1600" dirty="0" smtClean="0"/>
+              <a:rPr lang="de-DE" sz="1600" dirty="0"/>
               <a:t>Intervallskaliert, Maßeinheit: </a:t>
             </a:r>
             <a:r>
-              <a:rPr lang="de-DE" sz="1400" i="1" dirty="0" smtClean="0"/>
+              <a:rPr lang="de-DE" sz="1400" i="1" dirty="0"/>
               <a:t>Grad </a:t>
             </a:r>
             <a:r>
-              <a:rPr lang="de-DE" sz="1400" i="1" dirty="0" err="1" smtClean="0"/>
+              <a:rPr lang="de-DE" sz="1400" i="1" dirty="0" err="1"/>
               <a:t>Celcius</a:t>
             </a:r>
-            <a:endParaRPr lang="de-DE" sz="1400" i="1" dirty="0" smtClean="0"/>
+            <a:endParaRPr lang="de-DE" sz="1400" i="1" dirty="0"/>
           </a:p>
           <a:p>
             <a:pPr lvl="1"/>
             <a:r>
-              <a:rPr lang="de-DE" sz="1600" b="1" dirty="0" smtClean="0"/>
+              <a:rPr lang="de-DE" sz="1600" b="1" dirty="0"/>
               <a:t>Windstärke:  </a:t>
             </a:r>
             <a:r>
               <a:rPr lang="de-DE" sz="1600" dirty="0"/>
-              <a:t>I</a:t>
-            </a:r>
-            <a:r>
-              <a:rPr lang="de-DE" sz="1600" dirty="0" smtClean="0"/>
-              <a:t>ntervallskaliert, Maßeinheit: </a:t>
-            </a:r>
-            <a:r>
-              <a:rPr lang="en-GB" sz="1400" i="1" dirty="0" smtClean="0"/>
+              <a:t>Intervallskaliert, Maßeinheit: </a:t>
+            </a:r>
+            <a:r>
+              <a:rPr lang="en-GB" sz="1400" i="1" dirty="0"/>
               <a:t>m/s</a:t>
             </a:r>
           </a:p>
           <a:p>
             <a:pPr lvl="1"/>
             <a:r>
-              <a:rPr lang="de-DE" sz="1600" b="1" dirty="0" smtClean="0"/>
+              <a:rPr lang="de-DE" sz="1600" b="1" dirty="0"/>
               <a:t>Bewölkungsrad: </a:t>
             </a:r>
             <a:r>
               <a:rPr lang="de-DE" sz="1600" dirty="0" err="1"/>
-              <a:t>O</a:t>
-            </a:r>
-            <a:r>
-              <a:rPr lang="de-DE" sz="1600" dirty="0" err="1" smtClean="0"/>
-              <a:t>rdinalskaliert</a:t>
-            </a:r>
-            <a:r>
-              <a:rPr lang="de-DE" sz="1600" dirty="0" smtClean="0"/>
+              <a:t>Ordinalskaliert</a:t>
+            </a:r>
+            <a:r>
+              <a:rPr lang="de-DE" sz="1600" dirty="0"/>
               <a:t>, Kodierung: </a:t>
             </a:r>
             <a:r>
-              <a:rPr lang="de-DE" sz="1400" i="1" dirty="0" smtClean="0"/>
+              <a:rPr lang="de-DE" sz="1400" i="1" dirty="0"/>
               <a:t>1 = niedrige Bewölkung bis 8 = starke Bewölkung</a:t>
             </a:r>
           </a:p>
@@ -5365,15 +5293,15 @@
               </a:spcAft>
             </a:pPr>
             <a:r>
-              <a:rPr lang="de-DE" sz="1600" b="1" dirty="0" smtClean="0"/>
+              <a:rPr lang="de-DE" sz="1600" b="1" dirty="0"/>
               <a:t>Wettercode: </a:t>
             </a:r>
             <a:r>
-              <a:rPr lang="de-DE" sz="1600" dirty="0" smtClean="0"/>
+              <a:rPr lang="de-DE" sz="1600" dirty="0"/>
               <a:t>Nominalskaliert, Kodierung:  </a:t>
             </a:r>
             <a:r>
-              <a:rPr lang="de-DE" sz="1400" i="1" dirty="0" smtClean="0"/>
+              <a:rPr lang="de-DE" sz="1400" i="1" dirty="0"/>
               <a:t>1 -99 siehe http://www.seewetter-kiel.de/seewetter/daten_symbole.htm</a:t>
             </a:r>
           </a:p>
@@ -5384,94 +5312,86 @@
               </a:spcAft>
             </a:pPr>
             <a:r>
-              <a:rPr lang="de-DE" sz="1800" b="1" dirty="0" smtClean="0"/>
+              <a:rPr lang="de-DE" sz="1800" b="1" dirty="0"/>
               <a:t>Zeitbezogene Einflussfaktoren</a:t>
             </a:r>
           </a:p>
           <a:p>
             <a:pPr lvl="1"/>
             <a:r>
-              <a:rPr lang="de-DE" sz="1600" b="1" dirty="0" smtClean="0"/>
+              <a:rPr lang="de-DE" sz="1600" b="1" dirty="0"/>
               <a:t>Feiertage: </a:t>
             </a:r>
             <a:r>
-              <a:rPr lang="de-DE" sz="1600" dirty="0" smtClean="0"/>
-              <a:t>Nominalskaliert</a:t>
-            </a:r>
-            <a:r>
               <a:rPr lang="de-DE" sz="1600" dirty="0"/>
-              <a:t> </a:t>
-            </a:r>
-            <a:r>
-              <a:rPr lang="de-DE" sz="1600" dirty="0" smtClean="0"/>
-              <a:t>(dichotom), Kodierung: </a:t>
-            </a:r>
-            <a:r>
-              <a:rPr lang="de-DE" sz="1400" i="1" dirty="0" smtClean="0"/>
+              <a:t>Nominalskaliert (dichotom), Kodierung: </a:t>
+            </a:r>
+            <a:r>
+              <a:rPr lang="de-DE" sz="1400" i="1" dirty="0"/>
               <a:t>1 = Feiertag, 0 = kein Feiertag</a:t>
             </a:r>
           </a:p>
           <a:p>
             <a:pPr lvl="1"/>
             <a:r>
-              <a:rPr lang="de-DE" sz="1600" b="1" dirty="0" smtClean="0"/>
+              <a:rPr lang="de-DE" sz="1600" b="1" dirty="0"/>
               <a:t>Wochentage:  </a:t>
             </a:r>
             <a:r>
-              <a:rPr lang="de-DE" sz="1600" dirty="0" smtClean="0"/>
+              <a:rPr lang="de-DE" sz="1600" dirty="0"/>
               <a:t>Nominalskaliert, Kodierung:</a:t>
             </a:r>
             <a:r>
-              <a:rPr lang="de-DE" sz="1600" i="1" dirty="0" smtClean="0"/>
+              <a:rPr lang="de-DE" sz="1600" i="1" dirty="0"/>
               <a:t> 1 = </a:t>
             </a:r>
             <a:r>
-              <a:rPr lang="de-DE" sz="1400" i="1" dirty="0" smtClean="0"/>
+              <a:rPr lang="de-DE" sz="1400" i="1" dirty="0"/>
               <a:t>Montag bis 7 = Sonntag</a:t>
             </a:r>
           </a:p>
           <a:p>
             <a:pPr lvl="1"/>
             <a:r>
-              <a:rPr lang="de-DE" sz="1600" b="1" dirty="0" smtClean="0"/>
+              <a:rPr lang="de-DE" sz="1600" b="1" dirty="0"/>
               <a:t>Schulferien, Nominalskaliert (dichotom</a:t>
             </a:r>
             <a:r>
-              <a:rPr lang="de-DE" sz="1600" b="1" i="1" dirty="0" smtClean="0"/>
+              <a:rPr lang="de-DE" sz="1600" b="1" i="1" dirty="0"/>
               <a:t>): </a:t>
             </a:r>
             <a:r>
-              <a:rPr lang="de-DE" sz="1400" i="1" dirty="0" smtClean="0"/>
+              <a:rPr lang="de-DE" sz="1400" i="1" dirty="0"/>
               <a:t>1 = Osterferien, 2 = Pfingsten, 3 = Sommerferien 4 = Herbstferien, 5 = Weihnachtsferien</a:t>
             </a:r>
           </a:p>
           <a:p>
             <a:pPr lvl="1"/>
             <a:r>
-              <a:rPr lang="de-DE" sz="1600" b="1" dirty="0" smtClean="0"/>
+              <a:rPr lang="de-DE" sz="1600" b="1" dirty="0"/>
               <a:t>Kieler Woche: </a:t>
             </a:r>
             <a:r>
-              <a:rPr lang="de-DE" sz="1600" dirty="0" smtClean="0"/>
+              <a:rPr lang="de-DE" sz="1600" dirty="0"/>
               <a:t>Nominalskaliert (dichotom): </a:t>
             </a:r>
             <a:r>
-              <a:rPr lang="de-DE" sz="1400" i="1" dirty="0" smtClean="0"/>
+              <a:rPr lang="de-DE" sz="1400" i="1" dirty="0"/>
               <a:t>1= Kieler Woche, 0 = keine Kieler Woche </a:t>
             </a:r>
           </a:p>
           <a:p>
             <a:pPr lvl="1"/>
             <a:r>
-              <a:rPr lang="de-DE" sz="1600" b="1" dirty="0" smtClean="0"/>
+              <a:rPr lang="de-DE" sz="1600" b="1" dirty="0"/>
               <a:t>Werktag: </a:t>
             </a:r>
             <a:r>
-              <a:rPr lang="de-DE" sz="1600" dirty="0" smtClean="0"/>
+              <a:rPr lang="de-DE" sz="1600" dirty="0"/>
               <a:t>Nominalskaliert (dichotom): </a:t>
             </a:r>
             <a:r>
-              <a:rPr lang="de-DE" sz="1400" i="1" dirty="0" smtClean="0"/>
+              <a:rPr lang="de-DE" sz="1400" i="1" dirty="0"/>
               <a:t>1= Werktag, 0 = kein Werktag</a:t>
             </a:r>
           </a:p>
@@ -5529,10 +5449,10 @@
               <a:t>, Niklas Peters, Aline </a:t>
             </a:r>
             <a:r>
-              <a:rPr lang="de-DE" dirty="0" err="1" smtClean="0"/>
+              <a:rPr lang="de-DE" dirty="0" err="1"/>
               <a:t>Lanzrath</a:t>
             </a:r>
-            <a:endParaRPr lang="de-DE" dirty="0" smtClean="0"/>
+            <a:endParaRPr lang="de-DE" dirty="0"/>
           </a:p>
         </p:txBody>
       </p:sp>
@@ -5686,14 +5606,14 @@
               <a:buAutoNum type="romanUcPeriod" startAt="2"/>
             </a:pPr>
             <a:r>
-              <a:rPr lang="de-DE" b="1" dirty="0" smtClean="0"/>
+              <a:rPr lang="de-DE" b="1" dirty="0"/>
               <a:t>Balkendiagramm 1</a:t>
             </a:r>
             <a:br>
-              <a:rPr lang="de-DE" b="1" dirty="0" smtClean="0"/>
+              <a:rPr lang="de-DE" b="1" dirty="0"/>
             </a:br>
             <a:r>
-              <a:rPr lang="de-DE" sz="2000" b="1" dirty="0" smtClean="0"/>
+              <a:rPr lang="de-DE" sz="2000" b="1" dirty="0"/>
               <a:t>Vorhersage des Umsatzes in Abhängigkeit des Wochentages</a:t>
             </a:r>
             <a:endParaRPr lang="en-GB" sz="2000" b="1" dirty="0"/>
@@ -5882,14 +5802,14 @@
               <a:buAutoNum type="romanUcPeriod" startAt="2"/>
             </a:pPr>
             <a:r>
-              <a:rPr lang="de-DE" b="1" dirty="0" smtClean="0"/>
+              <a:rPr lang="de-DE" b="1" dirty="0"/>
               <a:t>Balkendiagramm 2</a:t>
             </a:r>
             <a:br>
-              <a:rPr lang="de-DE" b="1" dirty="0" smtClean="0"/>
+              <a:rPr lang="de-DE" b="1" dirty="0"/>
             </a:br>
             <a:r>
-              <a:rPr lang="de-DE" sz="2000" b="1" dirty="0" smtClean="0"/>
+              <a:rPr lang="de-DE" sz="2000" b="1" dirty="0"/>
               <a:t>Vorhersage des Umsatzes in Abhängigkeit des Bewölkungsgrades</a:t>
             </a:r>
             <a:endParaRPr lang="en-GB" sz="2000" b="1" dirty="0"/>
@@ -6077,14 +5997,14 @@
               <a:buAutoNum type="romanUcPeriod" startAt="3"/>
             </a:pPr>
             <a:r>
-              <a:rPr lang="de-DE" b="1" dirty="0" smtClean="0"/>
+              <a:rPr lang="de-DE" b="1" dirty="0"/>
               <a:t>Vorhersage des Umsatzes am 04.06.2019</a:t>
             </a:r>
             <a:br>
-              <a:rPr lang="de-DE" b="1" dirty="0" smtClean="0"/>
+              <a:rPr lang="de-DE" b="1" dirty="0"/>
             </a:br>
             <a:r>
-              <a:rPr lang="de-DE" sz="2000" dirty="0" smtClean="0"/>
+              <a:rPr lang="de-DE" sz="2000" dirty="0"/>
               <a:t>Analysen SVM – Je Warengruppe</a:t>
             </a:r>
             <a:endParaRPr lang="en-GB" sz="2000" dirty="0"/>
@@ -6162,10 +6082,10 @@
               <a:t>, Niklas Peters, Aline </a:t>
             </a:r>
             <a:r>
-              <a:rPr lang="de-DE" dirty="0" err="1" smtClean="0"/>
+              <a:rPr lang="de-DE" dirty="0" err="1"/>
               <a:t>Lanzrath</a:t>
             </a:r>
-            <a:endParaRPr lang="de-DE" dirty="0" smtClean="0"/>
+            <a:endParaRPr lang="de-DE" dirty="0"/>
           </a:p>
         </p:txBody>
       </p:sp>
@@ -6249,18 +6169,18 @@
               <a:buAutoNum type="romanUcPeriod" startAt="4"/>
             </a:pPr>
             <a:r>
-              <a:rPr lang="de-DE" b="1" dirty="0" smtClean="0"/>
+              <a:rPr lang="de-DE" b="1" dirty="0"/>
               <a:t>Vorhersage des Umsatzes am 04.06.2019</a:t>
             </a:r>
             <a:br>
-              <a:rPr lang="de-DE" b="1" dirty="0" smtClean="0"/>
+              <a:rPr lang="de-DE" b="1" dirty="0"/>
             </a:br>
             <a:r>
-              <a:rPr lang="de-DE" sz="2000" dirty="0" smtClean="0"/>
+              <a:rPr lang="de-DE" sz="2000" dirty="0"/>
               <a:t>Analysen Neuronales Netz – </a:t>
             </a:r>
             <a:r>
-              <a:rPr lang="de-DE" sz="2000" smtClean="0"/>
+              <a:rPr lang="de-DE" sz="2000"/>
               <a:t>Je Warengruppe</a:t>
             </a:r>
             <a:endParaRPr lang="en-GB" sz="2000" dirty="0"/>
@@ -6744,7 +6664,7 @@
   <a:extraClrSchemeLst/>
   <a:extLst>
     <a:ext uri="{05A4C25C-085E-4340-85A3-A5531E510DB2}">
-      <thm15:themeFamily xmlns:thm15="http://schemas.microsoft.com/office/thememl/2012/main" xmlns="" name="Office Theme" id="{62F939B6-93AF-4DB8-9C6B-D6C7DFDC589F}" vid="{4A3C46E8-61CC-4603-A589-7422A47A8E4A}"/>
+      <thm15:themeFamily xmlns:thm15="http://schemas.microsoft.com/office/thememl/2012/main" name="Office Theme" id="{62F939B6-93AF-4DB8-9C6B-D6C7DFDC589F}" vid="{4A3C46E8-61CC-4603-A589-7422A47A8E4A}"/>
     </a:ext>
   </a:extLst>
 </a:theme>
@@ -7005,7 +6925,7 @@
   <a:extraClrSchemeLst/>
   <a:extLst>
     <a:ext uri="{05A4C25C-085E-4340-85A3-A5531E510DB2}">
-      <thm15:themeFamily xmlns:thm15="http://schemas.microsoft.com/office/thememl/2012/main" xmlns="" name="Office Theme" id="{62F939B6-93AF-4DB8-9C6B-D6C7DFDC589F}" vid="{4A3C46E8-61CC-4603-A589-7422A47A8E4A}"/>
+      <thm15:themeFamily xmlns:thm15="http://schemas.microsoft.com/office/thememl/2012/main" name="Office Theme" id="{62F939B6-93AF-4DB8-9C6B-D6C7DFDC589F}" vid="{4A3C46E8-61CC-4603-A589-7422A47A8E4A}"/>
     </a:ext>
   </a:extLst>
 </a:theme>

--- a/Präsentation Gruppe 2.pptx
+++ b/Präsentation Gruppe 2.pptx
@@ -5,7 +5,7 @@
     <p:sldMasterId id="2147483648" r:id="rId1"/>
   </p:sldMasterIdLst>
   <p:notesMasterIdLst>
-    <p:notesMasterId r:id="rId9"/>
+    <p:notesMasterId r:id="rId10"/>
   </p:notesMasterIdLst>
   <p:sldIdLst>
     <p:sldId id="256" r:id="rId2"/>
@@ -13,8 +13,9 @@
     <p:sldId id="257" r:id="rId4"/>
     <p:sldId id="258" r:id="rId5"/>
     <p:sldId id="265" r:id="rId6"/>
-    <p:sldId id="260" r:id="rId7"/>
-    <p:sldId id="264" r:id="rId8"/>
+    <p:sldId id="266" r:id="rId7"/>
+    <p:sldId id="260" r:id="rId8"/>
+    <p:sldId id="264" r:id="rId9"/>
   </p:sldIdLst>
   <p:sldSz cx="12192000" cy="6858000"/>
   <p:notesSz cx="6858000" cy="9144000"/>
@@ -214,7 +215,7 @@
           <a:p>
             <a:fld id="{1044E00E-715A-423C-A2B0-AB8EC97BDA9B}" type="datetimeFigureOut">
               <a:rPr lang="en-GB" smtClean="0"/>
-              <a:t>02/06/2020</a:t>
+              <a:t>08/06/2020</a:t>
             </a:fld>
             <a:endParaRPr lang="en-GB"/>
           </a:p>
@@ -781,7 +782,7 @@
           <a:p>
             <a:fld id="{5F9590AD-6D3F-4648-B0FA-2F34D7304427}" type="datetime1">
               <a:rPr lang="en-GB" smtClean="0"/>
-              <a:t>02/06/2020</a:t>
+              <a:t>08/06/2020</a:t>
             </a:fld>
             <a:endParaRPr lang="en-GB"/>
           </a:p>
@@ -955,7 +956,7 @@
           <a:p>
             <a:fld id="{9C8F56D7-F770-4326-8CE6-6AD17AD8280D}" type="datetime1">
               <a:rPr lang="en-GB" smtClean="0"/>
-              <a:t>02/06/2020</a:t>
+              <a:t>08/06/2020</a:t>
             </a:fld>
             <a:endParaRPr lang="en-GB"/>
           </a:p>
@@ -1139,7 +1140,7 @@
           <a:p>
             <a:fld id="{8F6C1B62-B150-4CBD-8FE9-855BE1BE7C46}" type="datetime1">
               <a:rPr lang="en-GB" smtClean="0"/>
-              <a:t>02/06/2020</a:t>
+              <a:t>08/06/2020</a:t>
             </a:fld>
             <a:endParaRPr lang="en-GB"/>
           </a:p>
@@ -1313,7 +1314,7 @@
           <a:p>
             <a:fld id="{1565DF98-DBE3-4594-B19B-896AA0344800}" type="datetime1">
               <a:rPr lang="en-GB" smtClean="0"/>
-              <a:t>02/06/2020</a:t>
+              <a:t>08/06/2020</a:t>
             </a:fld>
             <a:endParaRPr lang="en-GB"/>
           </a:p>
@@ -1563,7 +1564,7 @@
           <a:p>
             <a:fld id="{7F4DB7A9-DA8D-4D6D-B00C-435D2002E0A6}" type="datetime1">
               <a:rPr lang="en-GB" smtClean="0"/>
-              <a:t>02/06/2020</a:t>
+              <a:t>08/06/2020</a:t>
             </a:fld>
             <a:endParaRPr lang="en-GB"/>
           </a:p>
@@ -1799,7 +1800,7 @@
           <a:p>
             <a:fld id="{22D8A78D-B1D5-450E-87E0-9DBA623A2B88}" type="datetime1">
               <a:rPr lang="en-GB" smtClean="0"/>
-              <a:t>02/06/2020</a:t>
+              <a:t>08/06/2020</a:t>
             </a:fld>
             <a:endParaRPr lang="en-GB"/>
           </a:p>
@@ -2170,7 +2171,7 @@
           <a:p>
             <a:fld id="{BB1DDEBB-20EC-4940-9F16-8793BFD570FB}" type="datetime1">
               <a:rPr lang="en-GB" smtClean="0"/>
-              <a:t>02/06/2020</a:t>
+              <a:t>08/06/2020</a:t>
             </a:fld>
             <a:endParaRPr lang="en-GB"/>
           </a:p>
@@ -2292,7 +2293,7 @@
           <a:p>
             <a:fld id="{3ABF1B0E-6560-44E0-8D43-FC17F65D98B1}" type="datetime1">
               <a:rPr lang="en-GB" smtClean="0"/>
-              <a:t>02/06/2020</a:t>
+              <a:t>08/06/2020</a:t>
             </a:fld>
             <a:endParaRPr lang="en-GB"/>
           </a:p>
@@ -2391,7 +2392,7 @@
           <a:p>
             <a:fld id="{7FEC756B-67F2-4A58-9DCC-12FE49DEA8C7}" type="datetime1">
               <a:rPr lang="en-GB" smtClean="0"/>
-              <a:t>02/06/2020</a:t>
+              <a:t>08/06/2020</a:t>
             </a:fld>
             <a:endParaRPr lang="en-GB"/>
           </a:p>
@@ -2672,7 +2673,7 @@
           <a:p>
             <a:fld id="{42BE03AF-1ECB-427C-8D1F-EAA0B28B4FE4}" type="datetime1">
               <a:rPr lang="en-GB" smtClean="0"/>
-              <a:t>02/06/2020</a:t>
+              <a:t>08/06/2020</a:t>
             </a:fld>
             <a:endParaRPr lang="en-GB"/>
           </a:p>
@@ -2929,7 +2930,7 @@
           <a:p>
             <a:fld id="{A35D80E1-7281-4A1F-B33F-3765B76DFB9C}" type="datetime1">
               <a:rPr lang="en-GB" smtClean="0"/>
-              <a:t>02/06/2020</a:t>
+              <a:t>08/06/2020</a:t>
             </a:fld>
             <a:endParaRPr lang="en-GB"/>
           </a:p>
@@ -3146,7 +3147,7 @@
           <a:p>
             <a:fld id="{A827EFE3-952D-48BF-97D3-50F265CB0719}" type="datetime1">
               <a:rPr lang="en-GB" smtClean="0"/>
-              <a:t>02/06/2020</a:t>
+              <a:t>08/06/2020</a:t>
             </a:fld>
             <a:endParaRPr lang="en-GB"/>
           </a:p>
@@ -3700,19 +3701,7 @@
           <a:p>
             <a:r>
               <a:rPr lang="de-DE" dirty="0"/>
-              <a:t>Sven </a:t>
-            </a:r>
-            <a:r>
-              <a:rPr lang="de-DE" dirty="0" err="1"/>
-              <a:t>Schawald</a:t>
-            </a:r>
-            <a:r>
-              <a:rPr lang="de-DE" dirty="0"/>
-              <a:t>, Niklas Peters, Aline </a:t>
-            </a:r>
-            <a:r>
-              <a:rPr lang="de-DE" dirty="0" err="1"/>
-              <a:t>Lanzrath</a:t>
+              <a:t>Sven Schadwald, Niklas Peters, Aline Lanzrath</a:t>
             </a:r>
             <a:endParaRPr lang="en-GB" dirty="0"/>
           </a:p>
@@ -3799,14 +3788,14 @@
           <a:effectLst/>
           <a:extLst>
             <a:ext uri="{909E8E84-426E-40dd-AFC4-6F175D3DCCD1}">
-              <a14:hiddenFill xmlns:a14="http://schemas.microsoft.com/office/drawing/2010/main" xmlns="">
+              <a14:hiddenFill xmlns="" xmlns:a14="http://schemas.microsoft.com/office/drawing/2010/main">
                 <a:solidFill>
                   <a:schemeClr val="accent1"/>
                 </a:solidFill>
               </a14:hiddenFill>
             </a:ext>
             <a:ext uri="{91240B29-F687-4f45-9708-019B960494DF}">
-              <a14:hiddenLine xmlns:a14="http://schemas.microsoft.com/office/drawing/2010/main" xmlns="" w="25400" cap="flat" cmpd="sng" algn="ctr">
+              <a14:hiddenLine xmlns="" xmlns:a14="http://schemas.microsoft.com/office/drawing/2010/main" w="25400" cap="flat" cmpd="sng" algn="ctr">
                 <a:solidFill>
                   <a:schemeClr val="accent1">
                     <a:shade val="50000"/>
@@ -4228,14 +4217,14 @@
           <a:effectLst/>
           <a:extLst>
             <a:ext uri="{909E8E84-426E-40dd-AFC4-6F175D3DCCD1}">
-              <a14:hiddenFill xmlns:a14="http://schemas.microsoft.com/office/drawing/2010/main" xmlns="">
+              <a14:hiddenFill xmlns="" xmlns:a14="http://schemas.microsoft.com/office/drawing/2010/main">
                 <a:solidFill>
                   <a:schemeClr val="accent1"/>
                 </a:solidFill>
               </a14:hiddenFill>
             </a:ext>
             <a:ext uri="{91240B29-F687-4f45-9708-019B960494DF}">
-              <a14:hiddenLine xmlns:a14="http://schemas.microsoft.com/office/drawing/2010/main" xmlns="" w="25400" cap="flat" cmpd="sng" algn="ctr">
+              <a14:hiddenLine xmlns="" xmlns:a14="http://schemas.microsoft.com/office/drawing/2010/main" w="25400" cap="flat" cmpd="sng" algn="ctr">
                 <a:solidFill>
                   <a:schemeClr val="accent1">
                     <a:shade val="50000"/>
@@ -4404,14 +4393,14 @@
           <a:effectLst/>
           <a:extLst>
             <a:ext uri="{909E8E84-426E-40dd-AFC4-6F175D3DCCD1}">
-              <a14:hiddenFill xmlns:a14="http://schemas.microsoft.com/office/drawing/2010/main" xmlns="">
+              <a14:hiddenFill xmlns="" xmlns:a14="http://schemas.microsoft.com/office/drawing/2010/main">
                 <a:solidFill>
                   <a:schemeClr val="accent1"/>
                 </a:solidFill>
               </a14:hiddenFill>
             </a:ext>
             <a:ext uri="{91240B29-F687-4f45-9708-019B960494DF}">
-              <a14:hiddenLine xmlns:a14="http://schemas.microsoft.com/office/drawing/2010/main" xmlns="" w="25400" cap="flat" cmpd="sng" algn="ctr">
+              <a14:hiddenLine xmlns="" xmlns:a14="http://schemas.microsoft.com/office/drawing/2010/main" w="25400" cap="flat" cmpd="sng" algn="ctr">
                 <a:solidFill>
                   <a:schemeClr val="accent1">
                     <a:shade val="50000"/>
@@ -4602,14 +4591,14 @@
           <a:effectLst/>
           <a:extLst>
             <a:ext uri="{909E8E84-426E-40dd-AFC4-6F175D3DCCD1}">
-              <a14:hiddenFill xmlns:a14="http://schemas.microsoft.com/office/drawing/2010/main" xmlns="">
+              <a14:hiddenFill xmlns="" xmlns:a14="http://schemas.microsoft.com/office/drawing/2010/main">
                 <a:solidFill>
                   <a:schemeClr val="accent1"/>
                 </a:solidFill>
               </a14:hiddenFill>
             </a:ext>
             <a:ext uri="{91240B29-F687-4f45-9708-019B960494DF}">
-              <a14:hiddenLine xmlns:a14="http://schemas.microsoft.com/office/drawing/2010/main" xmlns="" w="25400" cap="flat" cmpd="sng" algn="ctr">
+              <a14:hiddenLine xmlns="" xmlns:a14="http://schemas.microsoft.com/office/drawing/2010/main" w="25400" cap="flat" cmpd="sng" algn="ctr">
                 <a:solidFill>
                   <a:schemeClr val="accent1">
                     <a:shade val="50000"/>
@@ -4752,14 +4741,14 @@
           <a:effectLst/>
           <a:extLst>
             <a:ext uri="{909E8E84-426E-40dd-AFC4-6F175D3DCCD1}">
-              <a14:hiddenFill xmlns:a14="http://schemas.microsoft.com/office/drawing/2010/main" xmlns="">
+              <a14:hiddenFill xmlns="" xmlns:a14="http://schemas.microsoft.com/office/drawing/2010/main">
                 <a:solidFill>
                   <a:schemeClr val="accent1"/>
                 </a:solidFill>
               </a14:hiddenFill>
             </a:ext>
             <a:ext uri="{91240B29-F687-4f45-9708-019B960494DF}">
-              <a14:hiddenLine xmlns:a14="http://schemas.microsoft.com/office/drawing/2010/main" xmlns="" w="25400" cap="flat" cmpd="sng" algn="ctr">
+              <a14:hiddenLine xmlns="" xmlns:a14="http://schemas.microsoft.com/office/drawing/2010/main" w="25400" cap="flat" cmpd="sng" algn="ctr">
                 <a:solidFill>
                   <a:schemeClr val="accent1">
                     <a:shade val="50000"/>
@@ -5046,19 +5035,7 @@
           <a:p>
             <a:r>
               <a:rPr lang="de-DE" dirty="0"/>
-              <a:t>Sven </a:t>
-            </a:r>
-            <a:r>
-              <a:rPr lang="de-DE" dirty="0" err="1"/>
-              <a:t>Schawald</a:t>
-            </a:r>
-            <a:r>
-              <a:rPr lang="de-DE" dirty="0"/>
-              <a:t>, Niklas Peters, Aline </a:t>
-            </a:r>
-            <a:r>
-              <a:rPr lang="de-DE" dirty="0" err="1"/>
-              <a:t>Lanzrath</a:t>
+              <a:t>Sven Schadwald, Niklas Peters, Aline Lanzrath</a:t>
             </a:r>
             <a:endParaRPr lang="en-GB" dirty="0"/>
           </a:p>
@@ -5380,21 +5357,6 @@
               <a:t>1= Kieler Woche, 0 = keine Kieler Woche </a:t>
             </a:r>
           </a:p>
-          <a:p>
-            <a:pPr lvl="1"/>
-            <a:r>
-              <a:rPr lang="de-DE" sz="1600" b="1" dirty="0"/>
-              <a:t>Werktag: </a:t>
-            </a:r>
-            <a:r>
-              <a:rPr lang="de-DE" sz="1600" dirty="0"/>
-              <a:t>Nominalskaliert (dichotom): </a:t>
-            </a:r>
-            <a:r>
-              <a:rPr lang="de-DE" sz="1400" i="1" dirty="0"/>
-              <a:t>1= Werktag, 0 = kein Werktag</a:t>
-            </a:r>
-          </a:p>
         </p:txBody>
       </p:sp>
       <p:pic>
@@ -5438,21 +5400,8 @@
           <a:p>
             <a:r>
               <a:rPr lang="de-DE" dirty="0"/>
-              <a:t>Sven </a:t>
-            </a:r>
-            <a:r>
-              <a:rPr lang="de-DE" dirty="0" err="1"/>
-              <a:t>Schawald</a:t>
-            </a:r>
-            <a:r>
-              <a:rPr lang="de-DE" dirty="0"/>
-              <a:t>, Niklas Peters, Aline </a:t>
-            </a:r>
-            <a:r>
-              <a:rPr lang="de-DE" dirty="0" err="1"/>
-              <a:t>Lanzrath</a:t>
-            </a:r>
-            <a:endParaRPr lang="de-DE" dirty="0"/>
+              <a:t>Sven Schadwald, Niklas Peters, Aline Lanzrath</a:t>
+            </a:r>
           </a:p>
         </p:txBody>
       </p:sp>
@@ -5614,28 +5563,9 @@
             </a:br>
             <a:r>
               <a:rPr lang="de-DE" sz="2000" b="1" dirty="0"/>
-              <a:t>Vorhersage des Umsatzes in Abhängigkeit des Wochentages</a:t>
+              <a:t>Vorhersage des Umsatzes in Abhängigkeit der Schulferien</a:t>
             </a:r>
             <a:endParaRPr lang="en-GB" sz="2000" b="1" dirty="0"/>
-          </a:p>
-        </p:txBody>
-      </p:sp>
-      <p:sp>
-        <p:nvSpPr>
-          <p:cNvPr id="3" name="Inhaltsplatzhalter 2"/>
-          <p:cNvSpPr>
-            <a:spLocks noGrp="1"/>
-          </p:cNvSpPr>
-          <p:nvPr>
-            <p:ph idx="1"/>
-          </p:nvPr>
-        </p:nvSpPr>
-        <p:spPr/>
-        <p:txBody>
-          <a:bodyPr/>
-          <a:lstStyle/>
-          <a:p>
-            <a:endParaRPr lang="en-GB"/>
           </a:p>
         </p:txBody>
       </p:sp>
@@ -5680,19 +5610,7 @@
           <a:p>
             <a:r>
               <a:rPr lang="de-DE" dirty="0"/>
-              <a:t>Sven </a:t>
-            </a:r>
-            <a:r>
-              <a:rPr lang="de-DE" dirty="0" err="1"/>
-              <a:t>Schawald</a:t>
-            </a:r>
-            <a:r>
-              <a:rPr lang="de-DE" dirty="0"/>
-              <a:t>, Niklas Peters, Aline </a:t>
-            </a:r>
-            <a:r>
-              <a:rPr lang="de-DE" dirty="0" err="1"/>
-              <a:t>Lanzrath</a:t>
+              <a:t>Sven Schadwald, Niklas Peters, Aline Lanzrath</a:t>
             </a:r>
             <a:endParaRPr lang="en-GB" dirty="0"/>
           </a:p>
@@ -5739,6 +5657,36 @@
           <a:xfrm>
             <a:off x="9411128" y="418058"/>
             <a:ext cx="2137025" cy="961661"/>
+          </a:xfrm>
+          <a:prstGeom prst="rect">
+            <a:avLst/>
+          </a:prstGeom>
+        </p:spPr>
+      </p:pic>
+      <p:pic>
+        <p:nvPicPr>
+          <p:cNvPr id="9" name="Grafik 8">
+            <a:extLst>
+              <a:ext uri="{FF2B5EF4-FFF2-40B4-BE49-F238E27FC236}">
+                <a16:creationId xmlns:a16="http://schemas.microsoft.com/office/drawing/2014/main" id="{3709DC1D-1E28-4C05-BAB9-99307A47E810}"/>
+              </a:ext>
+            </a:extLst>
+          </p:cNvPr>
+          <p:cNvPicPr>
+            <a:picLocks noChangeAspect="1"/>
+          </p:cNvPicPr>
+          <p:nvPr/>
+        </p:nvPicPr>
+        <p:blipFill>
+          <a:blip r:embed="rId4"/>
+          <a:stretch>
+            <a:fillRect/>
+          </a:stretch>
+        </p:blipFill>
+        <p:spPr>
+          <a:xfrm>
+            <a:off x="2398534" y="2017315"/>
+            <a:ext cx="6753225" cy="4057650"/>
           </a:xfrm>
           <a:prstGeom prst="rect">
             <a:avLst/>
@@ -5810,28 +5758,9 @@
             </a:br>
             <a:r>
               <a:rPr lang="de-DE" sz="2000" b="1" dirty="0"/>
-              <a:t>Vorhersage des Umsatzes in Abhängigkeit des Bewölkungsgrades</a:t>
+              <a:t>Vorhersage des Umsatzes in Abhängigkeit der Feiertage</a:t>
             </a:r>
             <a:endParaRPr lang="en-GB" sz="2000" b="1" dirty="0"/>
-          </a:p>
-        </p:txBody>
-      </p:sp>
-      <p:sp>
-        <p:nvSpPr>
-          <p:cNvPr id="3" name="Inhaltsplatzhalter 2"/>
-          <p:cNvSpPr>
-            <a:spLocks noGrp="1"/>
-          </p:cNvSpPr>
-          <p:nvPr>
-            <p:ph idx="1"/>
-          </p:nvPr>
-        </p:nvSpPr>
-        <p:spPr/>
-        <p:txBody>
-          <a:bodyPr/>
-          <a:lstStyle/>
-          <a:p>
-            <a:endParaRPr lang="en-GB"/>
           </a:p>
         </p:txBody>
       </p:sp>
@@ -5876,19 +5805,7 @@
           <a:p>
             <a:r>
               <a:rPr lang="de-DE" dirty="0"/>
-              <a:t>Sven </a:t>
-            </a:r>
-            <a:r>
-              <a:rPr lang="de-DE" dirty="0" err="1"/>
-              <a:t>Schawald</a:t>
-            </a:r>
-            <a:r>
-              <a:rPr lang="de-DE" dirty="0"/>
-              <a:t>, Niklas Peters, Aline </a:t>
-            </a:r>
-            <a:r>
-              <a:rPr lang="de-DE" dirty="0" err="1"/>
-              <a:t>Lanzrath</a:t>
+              <a:t>Sven Schadwald, Niklas Peters, Aline Lanzrath</a:t>
             </a:r>
             <a:endParaRPr lang="en-GB" dirty="0"/>
           </a:p>
@@ -5919,21 +5836,58 @@
       </p:sp>
       <p:pic>
         <p:nvPicPr>
-          <p:cNvPr id="7" name="Grafik 6"/>
+          <p:cNvPr id="8" name="Grafik 7">
+            <a:extLst>
+              <a:ext uri="{FF2B5EF4-FFF2-40B4-BE49-F238E27FC236}">
+                <a16:creationId xmlns:a16="http://schemas.microsoft.com/office/drawing/2014/main" id="{761A48CD-4590-4E07-B647-A1BAE9B2C580}"/>
+              </a:ext>
+            </a:extLst>
+          </p:cNvPr>
           <p:cNvPicPr>
             <a:picLocks noChangeAspect="1"/>
           </p:cNvPicPr>
           <p:nvPr/>
         </p:nvPicPr>
-        <p:blipFill rotWithShape="1">
+        <p:blipFill>
           <a:blip r:embed="rId3"/>
-          <a:srcRect b="71169"/>
-          <a:stretch/>
+          <a:stretch>
+            <a:fillRect/>
+          </a:stretch>
         </p:blipFill>
         <p:spPr>
           <a:xfrm>
-            <a:off x="8303551" y="525289"/>
-            <a:ext cx="3272395" cy="707610"/>
+            <a:off x="2724150" y="1964928"/>
+            <a:ext cx="6743700" cy="4162425"/>
+          </a:xfrm>
+          <a:prstGeom prst="rect">
+            <a:avLst/>
+          </a:prstGeom>
+        </p:spPr>
+      </p:pic>
+      <p:pic>
+        <p:nvPicPr>
+          <p:cNvPr id="9" name="Grafik 8">
+            <a:extLst>
+              <a:ext uri="{FF2B5EF4-FFF2-40B4-BE49-F238E27FC236}">
+                <a16:creationId xmlns:a16="http://schemas.microsoft.com/office/drawing/2014/main" id="{8E15A607-4E80-4BB6-B84A-3D8D7DABC6A2}"/>
+              </a:ext>
+            </a:extLst>
+          </p:cNvPr>
+          <p:cNvPicPr>
+            <a:picLocks noChangeAspect="1"/>
+          </p:cNvPicPr>
+          <p:nvPr/>
+        </p:nvPicPr>
+        <p:blipFill>
+          <a:blip r:embed="rId4"/>
+          <a:stretch>
+            <a:fillRect/>
+          </a:stretch>
+        </p:blipFill>
+        <p:spPr>
+          <a:xfrm>
+            <a:off x="9411128" y="418058"/>
+            <a:ext cx="2137025" cy="961661"/>
           </a:xfrm>
           <a:prstGeom prst="rect">
             <a:avLst/>
@@ -5982,51 +5936,32 @@
         </p:nvSpPr>
         <p:spPr>
           <a:xfrm>
-            <a:off x="345042" y="365125"/>
+            <a:off x="314218" y="410368"/>
             <a:ext cx="10515600" cy="1325563"/>
           </a:xfrm>
         </p:spPr>
         <p:txBody>
           <a:bodyPr>
-            <a:normAutofit fontScale="90000"/>
+            <a:normAutofit/>
           </a:bodyPr>
           <a:lstStyle/>
           <a:p>
-            <a:pPr marL="627063" indent="-627063">
+            <a:pPr marL="534988" indent="-534988">
               <a:buFont typeface="+mj-lt"/>
-              <a:buAutoNum type="romanUcPeriod" startAt="3"/>
+              <a:buAutoNum type="romanUcPeriod" startAt="2"/>
             </a:pPr>
             <a:r>
               <a:rPr lang="de-DE" b="1" dirty="0"/>
-              <a:t>Vorhersage des Umsatzes am 04.06.2019</a:t>
+              <a:t>Balkendiagramm 3</a:t>
             </a:r>
             <a:br>
               <a:rPr lang="de-DE" b="1" dirty="0"/>
             </a:br>
             <a:r>
-              <a:rPr lang="de-DE" sz="2000" dirty="0"/>
-              <a:t>Analysen SVM – Je Warengruppe</a:t>
-            </a:r>
-            <a:endParaRPr lang="en-GB" sz="2000" dirty="0"/>
-          </a:p>
-        </p:txBody>
-      </p:sp>
-      <p:sp>
-        <p:nvSpPr>
-          <p:cNvPr id="3" name="Inhaltsplatzhalter 2"/>
-          <p:cNvSpPr>
-            <a:spLocks noGrp="1"/>
-          </p:cNvSpPr>
-          <p:nvPr>
-            <p:ph idx="1"/>
-          </p:nvPr>
-        </p:nvSpPr>
-        <p:spPr/>
-        <p:txBody>
-          <a:bodyPr/>
-          <a:lstStyle/>
-          <a:p>
-            <a:endParaRPr lang="en-GB"/>
+              <a:rPr lang="de-DE" sz="2000" b="1" dirty="0"/>
+              <a:t>Vorhersage des Umsatzes in Abhängigkeit zur Temperatur</a:t>
+            </a:r>
+            <a:endParaRPr lang="en-GB" sz="2000" b="1" dirty="0"/>
           </a:p>
         </p:txBody>
       </p:sp>
@@ -6071,21 +6006,9 @@
           <a:p>
             <a:r>
               <a:rPr lang="de-DE" dirty="0"/>
-              <a:t>Sven </a:t>
-            </a:r>
-            <a:r>
-              <a:rPr lang="de-DE" dirty="0" err="1"/>
-              <a:t>Schawald</a:t>
-            </a:r>
-            <a:r>
-              <a:rPr lang="de-DE" dirty="0"/>
-              <a:t>, Niklas Peters, Aline </a:t>
-            </a:r>
-            <a:r>
-              <a:rPr lang="de-DE" dirty="0" err="1"/>
-              <a:t>Lanzrath</a:t>
-            </a:r>
-            <a:endParaRPr lang="de-DE" dirty="0"/>
+              <a:t>Sven Schadwald, Niklas Peters, Aline Lanzrath</a:t>
+            </a:r>
+            <a:endParaRPr lang="en-GB" dirty="0"/>
           </a:p>
         </p:txBody>
       </p:sp>
@@ -6112,10 +6035,310 @@
           </a:p>
         </p:txBody>
       </p:sp>
+      <p:pic>
+        <p:nvPicPr>
+          <p:cNvPr id="9" name="Grafik 8">
+            <a:extLst>
+              <a:ext uri="{FF2B5EF4-FFF2-40B4-BE49-F238E27FC236}">
+                <a16:creationId xmlns:a16="http://schemas.microsoft.com/office/drawing/2014/main" id="{8E15A607-4E80-4BB6-B84A-3D8D7DABC6A2}"/>
+              </a:ext>
+            </a:extLst>
+          </p:cNvPr>
+          <p:cNvPicPr>
+            <a:picLocks noChangeAspect="1"/>
+          </p:cNvPicPr>
+          <p:nvPr/>
+        </p:nvPicPr>
+        <p:blipFill>
+          <a:blip r:embed="rId3"/>
+          <a:stretch>
+            <a:fillRect/>
+          </a:stretch>
+        </p:blipFill>
+        <p:spPr>
+          <a:xfrm>
+            <a:off x="9411128" y="418058"/>
+            <a:ext cx="2137025" cy="961661"/>
+          </a:xfrm>
+          <a:prstGeom prst="rect">
+            <a:avLst/>
+          </a:prstGeom>
+        </p:spPr>
+      </p:pic>
+      <p:pic>
+        <p:nvPicPr>
+          <p:cNvPr id="3" name="Grafik 2">
+            <a:extLst>
+              <a:ext uri="{FF2B5EF4-FFF2-40B4-BE49-F238E27FC236}">
+                <a16:creationId xmlns:a16="http://schemas.microsoft.com/office/drawing/2014/main" id="{24F046AA-757B-4A9C-82F3-ADD3D26D2F35}"/>
+              </a:ext>
+            </a:extLst>
+          </p:cNvPr>
+          <p:cNvPicPr>
+            <a:picLocks noChangeAspect="1"/>
+          </p:cNvPicPr>
+          <p:nvPr/>
+        </p:nvPicPr>
+        <p:blipFill>
+          <a:blip r:embed="rId4"/>
+          <a:stretch>
+            <a:fillRect/>
+          </a:stretch>
+        </p:blipFill>
+        <p:spPr>
+          <a:xfrm>
+            <a:off x="2446159" y="1974453"/>
+            <a:ext cx="6705600" cy="4143375"/>
+          </a:xfrm>
+          <a:prstGeom prst="rect">
+            <a:avLst/>
+          </a:prstGeom>
+        </p:spPr>
+      </p:pic>
+      <p:sp>
+        <p:nvSpPr>
+          <p:cNvPr id="7" name="Textfeld 6">
+            <a:extLst>
+              <a:ext uri="{FF2B5EF4-FFF2-40B4-BE49-F238E27FC236}">
+                <a16:creationId xmlns:a16="http://schemas.microsoft.com/office/drawing/2014/main" id="{DBA1FD20-3C20-43ED-9AE6-6E4C5137961C}"/>
+              </a:ext>
+            </a:extLst>
+          </p:cNvPr>
+          <p:cNvSpPr txBox="1"/>
+          <p:nvPr/>
+        </p:nvSpPr>
+        <p:spPr>
+          <a:xfrm>
+            <a:off x="3690693" y="5743188"/>
+            <a:ext cx="474810" cy="276999"/>
+          </a:xfrm>
+          <a:prstGeom prst="rect">
+            <a:avLst/>
+          </a:prstGeom>
+          <a:solidFill>
+            <a:schemeClr val="bg1"/>
+          </a:solidFill>
+        </p:spPr>
+        <p:txBody>
+          <a:bodyPr wrap="none" rtlCol="0">
+            <a:spAutoFit/>
+          </a:bodyPr>
+          <a:lstStyle/>
+          <a:p>
+            <a:r>
+              <a:rPr lang="de-DE" sz="1200" dirty="0"/>
+              <a:t>&lt;0°C</a:t>
+            </a:r>
+          </a:p>
+        </p:txBody>
+      </p:sp>
+      <p:sp>
+        <p:nvSpPr>
+          <p:cNvPr id="12" name="Textfeld 11">
+            <a:extLst>
+              <a:ext uri="{FF2B5EF4-FFF2-40B4-BE49-F238E27FC236}">
+                <a16:creationId xmlns:a16="http://schemas.microsoft.com/office/drawing/2014/main" id="{7D1723D1-E15D-4CA4-B68B-09480E38E1D8}"/>
+              </a:ext>
+            </a:extLst>
+          </p:cNvPr>
+          <p:cNvSpPr txBox="1"/>
+          <p:nvPr/>
+        </p:nvSpPr>
+        <p:spPr>
+          <a:xfrm>
+            <a:off x="7904800" y="5749990"/>
+            <a:ext cx="553357" cy="276999"/>
+          </a:xfrm>
+          <a:prstGeom prst="rect">
+            <a:avLst/>
+          </a:prstGeom>
+          <a:solidFill>
+            <a:schemeClr val="bg1"/>
+          </a:solidFill>
+        </p:spPr>
+        <p:txBody>
+          <a:bodyPr wrap="none" rtlCol="0">
+            <a:spAutoFit/>
+          </a:bodyPr>
+          <a:lstStyle/>
+          <a:p>
+            <a:r>
+              <a:rPr lang="de-DE" sz="1200" dirty="0"/>
+              <a:t>&gt;25°C</a:t>
+            </a:r>
+          </a:p>
+        </p:txBody>
+      </p:sp>
+      <p:sp>
+        <p:nvSpPr>
+          <p:cNvPr id="13" name="Rechteck 12">
+            <a:extLst>
+              <a:ext uri="{FF2B5EF4-FFF2-40B4-BE49-F238E27FC236}">
+                <a16:creationId xmlns:a16="http://schemas.microsoft.com/office/drawing/2014/main" id="{D77097B3-B518-4ABD-80F9-2EA6120A698B}"/>
+              </a:ext>
+            </a:extLst>
+          </p:cNvPr>
+          <p:cNvSpPr/>
+          <p:nvPr/>
+        </p:nvSpPr>
+        <p:spPr>
+          <a:xfrm>
+            <a:off x="4933312" y="5866426"/>
+            <a:ext cx="1847461" cy="261257"/>
+          </a:xfrm>
+          <a:prstGeom prst="rect">
+            <a:avLst/>
+          </a:prstGeom>
+          <a:solidFill>
+            <a:schemeClr val="bg1"/>
+          </a:solidFill>
+          <a:ln>
+            <a:solidFill>
+              <a:schemeClr val="bg1"/>
+            </a:solidFill>
+          </a:ln>
+        </p:spPr>
+        <p:style>
+          <a:lnRef idx="2">
+            <a:schemeClr val="accent1">
+              <a:shade val="50000"/>
+            </a:schemeClr>
+          </a:lnRef>
+          <a:fillRef idx="1">
+            <a:schemeClr val="accent1"/>
+          </a:fillRef>
+          <a:effectRef idx="0">
+            <a:schemeClr val="accent1"/>
+          </a:effectRef>
+          <a:fontRef idx="minor">
+            <a:schemeClr val="lt1"/>
+          </a:fontRef>
+        </p:style>
+        <p:txBody>
+          <a:bodyPr rtlCol="0" anchor="ctr"/>
+          <a:lstStyle/>
+          <a:p>
+            <a:pPr algn="ctr"/>
+            <a:endParaRPr lang="de-DE"/>
+          </a:p>
+        </p:txBody>
+      </p:sp>
+      <p:sp>
+        <p:nvSpPr>
+          <p:cNvPr id="10" name="Textfeld 9">
+            <a:extLst>
+              <a:ext uri="{FF2B5EF4-FFF2-40B4-BE49-F238E27FC236}">
+                <a16:creationId xmlns:a16="http://schemas.microsoft.com/office/drawing/2014/main" id="{018F2EE3-2602-4AEB-9050-67EF44FA0C07}"/>
+              </a:ext>
+            </a:extLst>
+          </p:cNvPr>
+          <p:cNvSpPr txBox="1"/>
+          <p:nvPr/>
+        </p:nvSpPr>
+        <p:spPr>
+          <a:xfrm>
+            <a:off x="4972093" y="5727928"/>
+            <a:ext cx="736099" cy="276999"/>
+          </a:xfrm>
+          <a:prstGeom prst="rect">
+            <a:avLst/>
+          </a:prstGeom>
+          <a:solidFill>
+            <a:schemeClr val="bg1"/>
+          </a:solidFill>
+        </p:spPr>
+        <p:txBody>
+          <a:bodyPr wrap="none" rtlCol="0">
+            <a:spAutoFit/>
+          </a:bodyPr>
+          <a:lstStyle/>
+          <a:p>
+            <a:r>
+              <a:rPr lang="de-DE" sz="1200" dirty="0"/>
+              <a:t>0°C-15°C</a:t>
+            </a:r>
+          </a:p>
+        </p:txBody>
+      </p:sp>
+      <p:sp>
+        <p:nvSpPr>
+          <p:cNvPr id="11" name="Textfeld 10">
+            <a:extLst>
+              <a:ext uri="{FF2B5EF4-FFF2-40B4-BE49-F238E27FC236}">
+                <a16:creationId xmlns:a16="http://schemas.microsoft.com/office/drawing/2014/main" id="{6D8EE407-1FBA-4BE0-BD34-4200B1DB468D}"/>
+              </a:ext>
+            </a:extLst>
+          </p:cNvPr>
+          <p:cNvSpPr txBox="1"/>
+          <p:nvPr/>
+        </p:nvSpPr>
+        <p:spPr>
+          <a:xfrm>
+            <a:off x="6334599" y="5727927"/>
+            <a:ext cx="814647" cy="276999"/>
+          </a:xfrm>
+          <a:prstGeom prst="rect">
+            <a:avLst/>
+          </a:prstGeom>
+          <a:solidFill>
+            <a:schemeClr val="bg1"/>
+          </a:solidFill>
+        </p:spPr>
+        <p:txBody>
+          <a:bodyPr wrap="none" rtlCol="0">
+            <a:spAutoFit/>
+          </a:bodyPr>
+          <a:lstStyle/>
+          <a:p>
+            <a:r>
+              <a:rPr lang="de-DE" sz="1200" dirty="0"/>
+              <a:t>15°C-25°C</a:t>
+            </a:r>
+          </a:p>
+        </p:txBody>
+      </p:sp>
+      <p:sp>
+        <p:nvSpPr>
+          <p:cNvPr id="14" name="Textfeld 13">
+            <a:extLst>
+              <a:ext uri="{FF2B5EF4-FFF2-40B4-BE49-F238E27FC236}">
+                <a16:creationId xmlns:a16="http://schemas.microsoft.com/office/drawing/2014/main" id="{8DAD0F2E-7FAC-403C-8883-7CFD7DB9C23C}"/>
+              </a:ext>
+            </a:extLst>
+          </p:cNvPr>
+          <p:cNvSpPr txBox="1"/>
+          <p:nvPr/>
+        </p:nvSpPr>
+        <p:spPr>
+          <a:xfrm>
+            <a:off x="5421873" y="5955162"/>
+            <a:ext cx="1307794" cy="276999"/>
+          </a:xfrm>
+          <a:prstGeom prst="rect">
+            <a:avLst/>
+          </a:prstGeom>
+          <a:solidFill>
+            <a:schemeClr val="bg1"/>
+          </a:solidFill>
+        </p:spPr>
+        <p:txBody>
+          <a:bodyPr wrap="none" rtlCol="0">
+            <a:spAutoFit/>
+          </a:bodyPr>
+          <a:lstStyle/>
+          <a:p>
+            <a:r>
+              <a:rPr lang="de-DE" sz="1200" dirty="0" err="1"/>
+              <a:t>Temperatur_Code</a:t>
+            </a:r>
+            <a:endParaRPr lang="de-DE" sz="1200" dirty="0"/>
+          </a:p>
+        </p:txBody>
+      </p:sp>
     </p:spTree>
     <p:extLst>
       <p:ext uri="{BB962C8B-B14F-4D97-AF65-F5344CB8AC3E}">
-        <p14:creationId xmlns:p14="http://schemas.microsoft.com/office/powerpoint/2010/main" val="1790197227"/>
+        <p14:creationId xmlns:p14="http://schemas.microsoft.com/office/powerpoint/2010/main" val="3660196142"/>
       </p:ext>
     </p:extLst>
   </p:cSld>
@@ -6154,19 +6377,19 @@
         </p:nvSpPr>
         <p:spPr>
           <a:xfrm>
-            <a:off x="324493" y="410368"/>
+            <a:off x="345042" y="365125"/>
             <a:ext cx="10515600" cy="1325563"/>
           </a:xfrm>
         </p:spPr>
         <p:txBody>
           <a:bodyPr>
-            <a:normAutofit fontScale="90000"/>
+            <a:normAutofit/>
           </a:bodyPr>
           <a:lstStyle/>
           <a:p>
-            <a:pPr marL="719138" indent="-719138">
+            <a:pPr marL="627063" indent="-627063">
               <a:buFont typeface="+mj-lt"/>
-              <a:buAutoNum type="romanUcPeriod" startAt="4"/>
+              <a:buAutoNum type="romanUcPeriod" startAt="3"/>
             </a:pPr>
             <a:r>
               <a:rPr lang="de-DE" b="1" dirty="0"/>
@@ -6177,11 +6400,7 @@
             </a:br>
             <a:r>
               <a:rPr lang="de-DE" sz="2000" dirty="0"/>
-              <a:t>Analysen Neuronales Netz – </a:t>
-            </a:r>
-            <a:r>
-              <a:rPr lang="de-DE" sz="2000"/>
-              <a:t>Je Warengruppe</a:t>
+              <a:t>Analysen SVM – Je Warengruppe</a:t>
             </a:r>
             <a:endParaRPr lang="en-GB" sz="2000" dirty="0"/>
           </a:p>
@@ -6247,21 +6466,8 @@
           <a:p>
             <a:r>
               <a:rPr lang="de-DE" dirty="0"/>
-              <a:t>Sven </a:t>
-            </a:r>
-            <a:r>
-              <a:rPr lang="de-DE" dirty="0" err="1"/>
-              <a:t>Schawald</a:t>
-            </a:r>
-            <a:r>
-              <a:rPr lang="de-DE" dirty="0"/>
-              <a:t>, Niklas Peters, Aline </a:t>
-            </a:r>
-            <a:r>
-              <a:rPr lang="de-DE" dirty="0" err="1"/>
-              <a:t>Lanzrath</a:t>
-            </a:r>
-            <a:endParaRPr lang="en-GB" dirty="0"/>
+              <a:t>Sven Schadwald, Niklas Peters, Aline Lanzrath</a:t>
+            </a:r>
           </a:p>
         </p:txBody>
       </p:sp>
@@ -6283,6 +6489,170 @@
             <a:fld id="{DAF5F91D-AD75-439C-8539-4BA22F73A771}" type="slidenum">
               <a:rPr lang="en-GB" smtClean="0"/>
               <a:t>7</a:t>
+            </a:fld>
+            <a:endParaRPr lang="en-GB"/>
+          </a:p>
+        </p:txBody>
+      </p:sp>
+    </p:spTree>
+    <p:extLst>
+      <p:ext uri="{BB962C8B-B14F-4D97-AF65-F5344CB8AC3E}">
+        <p14:creationId xmlns:p14="http://schemas.microsoft.com/office/powerpoint/2010/main" val="1790197227"/>
+      </p:ext>
+    </p:extLst>
+  </p:cSld>
+  <p:clrMapOvr>
+    <a:masterClrMapping/>
+  </p:clrMapOvr>
+</p:sld>
+</file>
+
+<file path=ppt/slides/slide8.xml><?xml version="1.0" encoding="utf-8"?>
+<p:sld xmlns:a="http://schemas.openxmlformats.org/drawingml/2006/main" xmlns:r="http://schemas.openxmlformats.org/officeDocument/2006/relationships" xmlns:p="http://schemas.openxmlformats.org/presentationml/2006/main">
+  <p:cSld>
+    <p:spTree>
+      <p:nvGrpSpPr>
+        <p:cNvPr id="1" name=""/>
+        <p:cNvGrpSpPr/>
+        <p:nvPr/>
+      </p:nvGrpSpPr>
+      <p:grpSpPr>
+        <a:xfrm>
+          <a:off x="0" y="0"/>
+          <a:ext cx="0" cy="0"/>
+          <a:chOff x="0" y="0"/>
+          <a:chExt cx="0" cy="0"/>
+        </a:xfrm>
+      </p:grpSpPr>
+      <p:sp>
+        <p:nvSpPr>
+          <p:cNvPr id="2" name="Titel 1"/>
+          <p:cNvSpPr>
+            <a:spLocks noGrp="1"/>
+          </p:cNvSpPr>
+          <p:nvPr>
+            <p:ph type="title"/>
+          </p:nvPr>
+        </p:nvSpPr>
+        <p:spPr>
+          <a:xfrm>
+            <a:off x="324493" y="410368"/>
+            <a:ext cx="10515600" cy="1325563"/>
+          </a:xfrm>
+        </p:spPr>
+        <p:txBody>
+          <a:bodyPr>
+            <a:normAutofit/>
+          </a:bodyPr>
+          <a:lstStyle/>
+          <a:p>
+            <a:pPr marL="719138" indent="-719138">
+              <a:buFont typeface="+mj-lt"/>
+              <a:buAutoNum type="romanUcPeriod" startAt="4"/>
+            </a:pPr>
+            <a:r>
+              <a:rPr lang="de-DE" b="1" dirty="0"/>
+              <a:t>Vorhersage des Umsatzes am 04.06.2019</a:t>
+            </a:r>
+            <a:br>
+              <a:rPr lang="de-DE" b="1" dirty="0"/>
+            </a:br>
+            <a:r>
+              <a:rPr lang="de-DE" sz="2000" dirty="0"/>
+              <a:t>Analysen Neuronales Netz – </a:t>
+            </a:r>
+            <a:r>
+              <a:rPr lang="de-DE" sz="2000"/>
+              <a:t>Je Warengruppe</a:t>
+            </a:r>
+            <a:endParaRPr lang="en-GB" sz="2000" dirty="0"/>
+          </a:p>
+        </p:txBody>
+      </p:sp>
+      <p:sp>
+        <p:nvSpPr>
+          <p:cNvPr id="3" name="Inhaltsplatzhalter 2"/>
+          <p:cNvSpPr>
+            <a:spLocks noGrp="1"/>
+          </p:cNvSpPr>
+          <p:nvPr>
+            <p:ph idx="1"/>
+          </p:nvPr>
+        </p:nvSpPr>
+        <p:spPr/>
+        <p:txBody>
+          <a:bodyPr/>
+          <a:lstStyle/>
+          <a:p>
+            <a:endParaRPr lang="en-GB"/>
+          </a:p>
+        </p:txBody>
+      </p:sp>
+      <p:pic>
+        <p:nvPicPr>
+          <p:cNvPr id="4" name="Grafik 3"/>
+          <p:cNvPicPr>
+            <a:picLocks noChangeAspect="1"/>
+          </p:cNvPicPr>
+          <p:nvPr/>
+        </p:nvPicPr>
+        <p:blipFill>
+          <a:blip r:embed="rId2"/>
+          <a:stretch>
+            <a:fillRect/>
+          </a:stretch>
+        </p:blipFill>
+        <p:spPr>
+          <a:xfrm>
+            <a:off x="9692918" y="5881688"/>
+            <a:ext cx="2114550" cy="590550"/>
+          </a:xfrm>
+          <a:prstGeom prst="rect">
+            <a:avLst/>
+          </a:prstGeom>
+        </p:spPr>
+      </p:pic>
+      <p:sp>
+        <p:nvSpPr>
+          <p:cNvPr id="5" name="Fußzeilenplatzhalter 4"/>
+          <p:cNvSpPr>
+            <a:spLocks noGrp="1"/>
+          </p:cNvSpPr>
+          <p:nvPr>
+            <p:ph type="ftr" sz="quarter" idx="11"/>
+          </p:nvPr>
+        </p:nvSpPr>
+        <p:spPr/>
+        <p:txBody>
+          <a:bodyPr/>
+          <a:lstStyle/>
+          <a:p>
+            <a:r>
+              <a:rPr lang="de-DE" dirty="0"/>
+              <a:t>Sven Schadwald, Niklas Peters, Aline Lanzrath</a:t>
+            </a:r>
+            <a:endParaRPr lang="en-GB" dirty="0"/>
+          </a:p>
+        </p:txBody>
+      </p:sp>
+      <p:sp>
+        <p:nvSpPr>
+          <p:cNvPr id="6" name="Foliennummernplatzhalter 5"/>
+          <p:cNvSpPr>
+            <a:spLocks noGrp="1"/>
+          </p:cNvSpPr>
+          <p:nvPr>
+            <p:ph type="sldNum" sz="quarter" idx="12"/>
+          </p:nvPr>
+        </p:nvSpPr>
+        <p:spPr/>
+        <p:txBody>
+          <a:bodyPr/>
+          <a:lstStyle/>
+          <a:p>
+            <a:fld id="{DAF5F91D-AD75-439C-8539-4BA22F73A771}" type="slidenum">
+              <a:rPr lang="en-GB" smtClean="0"/>
+              <a:t>8</a:t>
             </a:fld>
             <a:endParaRPr lang="en-GB"/>
           </a:p>

--- a/Präsentation Gruppe 2.pptx
+++ b/Präsentation Gruppe 2.pptx
@@ -5,7 +5,7 @@
     <p:sldMasterId id="2147483648" r:id="rId1"/>
   </p:sldMasterIdLst>
   <p:notesMasterIdLst>
-    <p:notesMasterId r:id="rId10"/>
+    <p:notesMasterId r:id="rId11"/>
   </p:notesMasterIdLst>
   <p:sldIdLst>
     <p:sldId id="256" r:id="rId2"/>
@@ -14,8 +14,9 @@
     <p:sldId id="258" r:id="rId5"/>
     <p:sldId id="265" r:id="rId6"/>
     <p:sldId id="266" r:id="rId7"/>
-    <p:sldId id="260" r:id="rId8"/>
-    <p:sldId id="264" r:id="rId9"/>
+    <p:sldId id="267" r:id="rId8"/>
+    <p:sldId id="260" r:id="rId9"/>
+    <p:sldId id="264" r:id="rId10"/>
   </p:sldIdLst>
   <p:sldSz cx="12192000" cy="6858000"/>
   <p:notesSz cx="6858000" cy="9144000"/>
@@ -3593,6 +3594,10 @@
               <a:rPr lang="en-GB" b="1" dirty="0" err="1"/>
               <a:t>maschinelles</a:t>
             </a:r>
+            <a:r>
+              <a:rPr lang="en-GB" b="1" dirty="0"/>
+              <a:t/>
+            </a:r>
             <a:br>
               <a:rPr lang="en-GB" b="1" dirty="0"/>
             </a:br>
@@ -3788,14 +3793,14 @@
           <a:effectLst/>
           <a:extLst>
             <a:ext uri="{909E8E84-426E-40dd-AFC4-6F175D3DCCD1}">
-              <a14:hiddenFill xmlns="" xmlns:a14="http://schemas.microsoft.com/office/drawing/2010/main">
+              <a14:hiddenFill xmlns:a14="http://schemas.microsoft.com/office/drawing/2010/main" xmlns="">
                 <a:solidFill>
                   <a:schemeClr val="accent1"/>
                 </a:solidFill>
               </a14:hiddenFill>
             </a:ext>
             <a:ext uri="{91240B29-F687-4f45-9708-019B960494DF}">
-              <a14:hiddenLine xmlns="" xmlns:a14="http://schemas.microsoft.com/office/drawing/2010/main" w="25400" cap="flat" cmpd="sng" algn="ctr">
+              <a14:hiddenLine xmlns:a14="http://schemas.microsoft.com/office/drawing/2010/main" xmlns="" w="25400" cap="flat" cmpd="sng" algn="ctr">
                 <a:solidFill>
                   <a:schemeClr val="accent1">
                     <a:shade val="50000"/>
@@ -4217,14 +4222,14 @@
           <a:effectLst/>
           <a:extLst>
             <a:ext uri="{909E8E84-426E-40dd-AFC4-6F175D3DCCD1}">
-              <a14:hiddenFill xmlns="" xmlns:a14="http://schemas.microsoft.com/office/drawing/2010/main">
+              <a14:hiddenFill xmlns:a14="http://schemas.microsoft.com/office/drawing/2010/main" xmlns="">
                 <a:solidFill>
                   <a:schemeClr val="accent1"/>
                 </a:solidFill>
               </a14:hiddenFill>
             </a:ext>
             <a:ext uri="{91240B29-F687-4f45-9708-019B960494DF}">
-              <a14:hiddenLine xmlns="" xmlns:a14="http://schemas.microsoft.com/office/drawing/2010/main" w="25400" cap="flat" cmpd="sng" algn="ctr">
+              <a14:hiddenLine xmlns:a14="http://schemas.microsoft.com/office/drawing/2010/main" xmlns="" w="25400" cap="flat" cmpd="sng" algn="ctr">
                 <a:solidFill>
                   <a:schemeClr val="accent1">
                     <a:shade val="50000"/>
@@ -4393,14 +4398,14 @@
           <a:effectLst/>
           <a:extLst>
             <a:ext uri="{909E8E84-426E-40dd-AFC4-6F175D3DCCD1}">
-              <a14:hiddenFill xmlns="" xmlns:a14="http://schemas.microsoft.com/office/drawing/2010/main">
+              <a14:hiddenFill xmlns:a14="http://schemas.microsoft.com/office/drawing/2010/main" xmlns="">
                 <a:solidFill>
                   <a:schemeClr val="accent1"/>
                 </a:solidFill>
               </a14:hiddenFill>
             </a:ext>
             <a:ext uri="{91240B29-F687-4f45-9708-019B960494DF}">
-              <a14:hiddenLine xmlns="" xmlns:a14="http://schemas.microsoft.com/office/drawing/2010/main" w="25400" cap="flat" cmpd="sng" algn="ctr">
+              <a14:hiddenLine xmlns:a14="http://schemas.microsoft.com/office/drawing/2010/main" xmlns="" w="25400" cap="flat" cmpd="sng" algn="ctr">
                 <a:solidFill>
                   <a:schemeClr val="accent1">
                     <a:shade val="50000"/>
@@ -4591,14 +4596,14 @@
           <a:effectLst/>
           <a:extLst>
             <a:ext uri="{909E8E84-426E-40dd-AFC4-6F175D3DCCD1}">
-              <a14:hiddenFill xmlns="" xmlns:a14="http://schemas.microsoft.com/office/drawing/2010/main">
+              <a14:hiddenFill xmlns:a14="http://schemas.microsoft.com/office/drawing/2010/main" xmlns="">
                 <a:solidFill>
                   <a:schemeClr val="accent1"/>
                 </a:solidFill>
               </a14:hiddenFill>
             </a:ext>
             <a:ext uri="{91240B29-F687-4f45-9708-019B960494DF}">
-              <a14:hiddenLine xmlns="" xmlns:a14="http://schemas.microsoft.com/office/drawing/2010/main" w="25400" cap="flat" cmpd="sng" algn="ctr">
+              <a14:hiddenLine xmlns:a14="http://schemas.microsoft.com/office/drawing/2010/main" xmlns="" w="25400" cap="flat" cmpd="sng" algn="ctr">
                 <a:solidFill>
                   <a:schemeClr val="accent1">
                     <a:shade val="50000"/>
@@ -4741,14 +4746,14 @@
           <a:effectLst/>
           <a:extLst>
             <a:ext uri="{909E8E84-426E-40dd-AFC4-6F175D3DCCD1}">
-              <a14:hiddenFill xmlns="" xmlns:a14="http://schemas.microsoft.com/office/drawing/2010/main">
+              <a14:hiddenFill xmlns:a14="http://schemas.microsoft.com/office/drawing/2010/main" xmlns="">
                 <a:solidFill>
                   <a:schemeClr val="accent1"/>
                 </a:solidFill>
               </a14:hiddenFill>
             </a:ext>
             <a:ext uri="{91240B29-F687-4f45-9708-019B960494DF}">
-              <a14:hiddenLine xmlns="" xmlns:a14="http://schemas.microsoft.com/office/drawing/2010/main" w="25400" cap="flat" cmpd="sng" algn="ctr">
+              <a14:hiddenLine xmlns:a14="http://schemas.microsoft.com/office/drawing/2010/main" xmlns="" w="25400" cap="flat" cmpd="sng" algn="ctr">
                 <a:solidFill>
                   <a:schemeClr val="accent1">
                     <a:shade val="50000"/>
@@ -5224,8 +5229,24 @@
               <a:t>Grad </a:t>
             </a:r>
             <a:r>
-              <a:rPr lang="de-DE" sz="1400" i="1" dirty="0" err="1"/>
+              <a:rPr lang="de-DE" sz="1400" i="1" dirty="0" err="1" smtClean="0"/>
               <a:t>Celcius</a:t>
+            </a:r>
+            <a:r>
+              <a:rPr lang="de-DE" sz="1400" i="1" dirty="0" smtClean="0"/>
+              <a:t>; </a:t>
+            </a:r>
+            <a:r>
+              <a:rPr lang="de-DE" sz="1400" dirty="0" smtClean="0"/>
+              <a:t>Kodierung in 4 Stufen: </a:t>
+            </a:r>
+            <a:r>
+              <a:rPr lang="de-DE" sz="1400" dirty="0"/>
+              <a:t>&lt;</a:t>
+            </a:r>
+            <a:r>
+              <a:rPr lang="de-DE" sz="1400" dirty="0" smtClean="0"/>
+              <a:t>0°C, 0°C-15°C, 15°C - 25°C, &lt; 25°C  </a:t>
             </a:r>
             <a:endParaRPr lang="de-DE" sz="1400" i="1" dirty="0"/>
           </a:p>
@@ -5240,9 +5261,26 @@
               <a:t>Intervallskaliert, Maßeinheit: </a:t>
             </a:r>
             <a:r>
-              <a:rPr lang="en-GB" sz="1400" i="1" dirty="0"/>
-              <a:t>m/s</a:t>
-            </a:r>
+              <a:rPr lang="en-GB" sz="1400" i="1" dirty="0" smtClean="0"/>
+              <a:t>m/s, </a:t>
+            </a:r>
+            <a:r>
+              <a:rPr lang="en-GB" sz="1400" dirty="0" err="1" smtClean="0"/>
+              <a:t>Kodierung</a:t>
+            </a:r>
+            <a:r>
+              <a:rPr lang="en-GB" sz="1400" dirty="0" smtClean="0"/>
+              <a:t> in 4 </a:t>
+            </a:r>
+            <a:r>
+              <a:rPr lang="en-GB" sz="1400" dirty="0" err="1" smtClean="0"/>
+              <a:t>Stufen</a:t>
+            </a:r>
+            <a:r>
+              <a:rPr lang="en-GB" sz="1400" dirty="0" smtClean="0"/>
+              <a:t>:  0-12, 13-20, 20-35</a:t>
+            </a:r>
+            <a:endParaRPr lang="en-GB" sz="1400" i="1" dirty="0"/>
           </a:p>
           <a:p>
             <a:pPr lvl="1"/>
@@ -5279,8 +5317,37 @@
             </a:r>
             <a:r>
               <a:rPr lang="de-DE" sz="1400" i="1" dirty="0"/>
-              <a:t>1 -99 siehe http://www.seewetter-kiel.de/seewetter/daten_symbole.htm</a:t>
-            </a:r>
+              <a:t>1 -99 siehe </a:t>
+            </a:r>
+            <a:r>
+              <a:rPr lang="de-DE" sz="1400" i="1" dirty="0">
+                <a:hlinkClick r:id="rId2"/>
+              </a:rPr>
+              <a:t>http://</a:t>
+            </a:r>
+            <a:r>
+              <a:rPr lang="de-DE" sz="1400" i="1" dirty="0" smtClean="0">
+                <a:hlinkClick r:id="rId2"/>
+              </a:rPr>
+              <a:t>www.seewetter-kiel.de/seewetter/daten_symbole.htm</a:t>
+            </a:r>
+            <a:r>
+              <a:rPr lang="de-DE" sz="1400" i="1" dirty="0" smtClean="0"/>
+              <a:t> --&gt; </a:t>
+            </a:r>
+            <a:r>
+              <a:rPr lang="de-DE" sz="1400" b="1" i="1" dirty="0" smtClean="0">
+                <a:solidFill>
+                  <a:srgbClr val="FF0000"/>
+                </a:solidFill>
+              </a:rPr>
+              <a:t>Niklas: Welche Codes</a:t>
+            </a:r>
+            <a:endParaRPr lang="de-DE" sz="1400" b="1" i="1" dirty="0">
+              <a:solidFill>
+                <a:srgbClr val="FF0000"/>
+              </a:solidFill>
+            </a:endParaRPr>
           </a:p>
           <a:p>
             <a:pPr>
@@ -5304,9 +5371,18 @@
               <a:t>Nominalskaliert (dichotom), Kodierung: </a:t>
             </a:r>
             <a:r>
+              <a:rPr lang="de-DE" sz="1400" i="1" dirty="0" smtClean="0"/>
+              <a:t>0 </a:t>
+            </a:r>
+            <a:r>
               <a:rPr lang="de-DE" sz="1400" i="1" dirty="0"/>
-              <a:t>1 = Feiertag, 0 = kein Feiertag</a:t>
-            </a:r>
+              <a:t>= kein </a:t>
+            </a:r>
+            <a:r>
+              <a:rPr lang="de-DE" sz="1400" i="1" dirty="0" smtClean="0"/>
+              <a:t>Feiertag, 1 = Christi Himmelfahrt, 2= Ostermontag, 3= Pfingstmontag 4= Tag der Arbeit, 5 = Tag der deutschen Einheit</a:t>
+            </a:r>
+            <a:endParaRPr lang="de-DE" sz="1400" i="1" dirty="0"/>
           </a:p>
           <a:p>
             <a:pPr lvl="1"/>
@@ -5368,7 +5444,7 @@
           <p:nvPr/>
         </p:nvPicPr>
         <p:blipFill>
-          <a:blip r:embed="rId2"/>
+          <a:blip r:embed="rId3"/>
           <a:stretch>
             <a:fillRect/>
           </a:stretch>
@@ -5437,7 +5513,7 @@
           <p:nvPr/>
         </p:nvPicPr>
         <p:blipFill rotWithShape="1">
-          <a:blip r:embed="rId3"/>
+          <a:blip r:embed="rId4"/>
           <a:srcRect t="19017" b="60291"/>
           <a:stretch/>
         </p:blipFill>
@@ -5460,7 +5536,7 @@
           <p:nvPr/>
         </p:nvPicPr>
         <p:blipFill rotWithShape="1">
-          <a:blip r:embed="rId4"/>
+          <a:blip r:embed="rId5"/>
           <a:srcRect b="71169"/>
           <a:stretch/>
         </p:blipFill>
@@ -5483,7 +5559,7 @@
           <p:nvPr/>
         </p:nvPicPr>
         <p:blipFill>
-          <a:blip r:embed="rId5"/>
+          <a:blip r:embed="rId6"/>
           <a:stretch>
             <a:fillRect/>
           </a:stretch>
@@ -5641,7 +5717,13 @@
       </p:sp>
       <p:pic>
         <p:nvPicPr>
-          <p:cNvPr id="7" name="Grafik 6"/>
+          <p:cNvPr id="9" name="Grafik 8">
+            <a:extLst>
+              <a:ext uri="{FF2B5EF4-FFF2-40B4-BE49-F238E27FC236}">
+                <a16:creationId xmlns:a16="http://schemas.microsoft.com/office/drawing/2014/main" xmlns="" id="{3709DC1D-1E28-4C05-BAB9-99307A47E810}"/>
+              </a:ext>
+            </a:extLst>
+          </p:cNvPr>
           <p:cNvPicPr>
             <a:picLocks noChangeAspect="1"/>
           </p:cNvPicPr>
@@ -5655,44 +5737,74 @@
         </p:blipFill>
         <p:spPr>
           <a:xfrm>
-            <a:off x="9411128" y="418058"/>
-            <a:ext cx="2137025" cy="961661"/>
+            <a:off x="2398534" y="2017315"/>
+            <a:ext cx="6753225" cy="4057650"/>
           </a:xfrm>
           <a:prstGeom prst="rect">
             <a:avLst/>
           </a:prstGeom>
         </p:spPr>
       </p:pic>
-      <p:pic>
-        <p:nvPicPr>
-          <p:cNvPr id="9" name="Grafik 8">
-            <a:extLst>
-              <a:ext uri="{FF2B5EF4-FFF2-40B4-BE49-F238E27FC236}">
-                <a16:creationId xmlns:a16="http://schemas.microsoft.com/office/drawing/2014/main" id="{3709DC1D-1E28-4C05-BAB9-99307A47E810}"/>
-              </a:ext>
-            </a:extLst>
-          </p:cNvPr>
-          <p:cNvPicPr>
-            <a:picLocks noChangeAspect="1"/>
-          </p:cNvPicPr>
+      <p:sp>
+        <p:nvSpPr>
+          <p:cNvPr id="8" name="Rechteck 7"/>
+          <p:cNvSpPr/>
           <p:nvPr/>
-        </p:nvPicPr>
-        <p:blipFill>
-          <a:blip r:embed="rId4"/>
-          <a:stretch>
-            <a:fillRect/>
-          </a:stretch>
-        </p:blipFill>
-        <p:spPr>
-          <a:xfrm>
-            <a:off x="2398534" y="2017315"/>
-            <a:ext cx="6753225" cy="4057650"/>
+        </p:nvSpPr>
+        <p:spPr>
+          <a:xfrm rot="5400000">
+            <a:off x="2133600" y="3724276"/>
+            <a:ext cx="714375" cy="809626"/>
           </a:xfrm>
           <a:prstGeom prst="rect">
             <a:avLst/>
           </a:prstGeom>
-        </p:spPr>
-      </p:pic>
+          <a:solidFill>
+            <a:schemeClr val="bg1"/>
+          </a:solidFill>
+          <a:ln>
+            <a:solidFill>
+              <a:schemeClr val="bg1"/>
+            </a:solidFill>
+          </a:ln>
+        </p:spPr>
+        <p:style>
+          <a:lnRef idx="2">
+            <a:schemeClr val="accent1">
+              <a:shade val="50000"/>
+            </a:schemeClr>
+          </a:lnRef>
+          <a:fillRef idx="1">
+            <a:schemeClr val="accent1"/>
+          </a:fillRef>
+          <a:effectRef idx="0">
+            <a:schemeClr val="accent1"/>
+          </a:effectRef>
+          <a:fontRef idx="minor">
+            <a:schemeClr val="lt1"/>
+          </a:fontRef>
+        </p:style>
+        <p:txBody>
+          <a:bodyPr rtlCol="0" anchor="ctr"/>
+          <a:lstStyle/>
+          <a:p>
+            <a:pPr algn="ctr"/>
+            <a:r>
+              <a:rPr lang="de-DE" sz="1100" dirty="0" smtClean="0">
+                <a:solidFill>
+                  <a:schemeClr val="tx1"/>
+                </a:solidFill>
+              </a:rPr>
+              <a:t>Mittlerer Umsatz</a:t>
+            </a:r>
+            <a:endParaRPr lang="en-GB" sz="1100" dirty="0">
+              <a:solidFill>
+                <a:schemeClr val="tx1"/>
+              </a:solidFill>
+            </a:endParaRPr>
+          </a:p>
+        </p:txBody>
+      </p:sp>
     </p:spTree>
     <p:extLst>
       <p:ext uri="{BB962C8B-B14F-4D97-AF65-F5344CB8AC3E}">
@@ -5723,65 +5835,29 @@
           <a:chExt cx="0" cy="0"/>
         </a:xfrm>
       </p:grpSpPr>
-      <p:sp>
-        <p:nvSpPr>
-          <p:cNvPr id="2" name="Titel 1"/>
-          <p:cNvSpPr>
-            <a:spLocks noGrp="1"/>
-          </p:cNvSpPr>
-          <p:nvPr>
-            <p:ph type="title"/>
-          </p:nvPr>
-        </p:nvSpPr>
-        <p:spPr>
-          <a:xfrm>
-            <a:off x="314218" y="410368"/>
-            <a:ext cx="10515600" cy="1325563"/>
-          </a:xfrm>
-        </p:spPr>
-        <p:txBody>
-          <a:bodyPr>
-            <a:normAutofit/>
-          </a:bodyPr>
-          <a:lstStyle/>
-          <a:p>
-            <a:pPr marL="534988" indent="-534988">
-              <a:buFont typeface="+mj-lt"/>
-              <a:buAutoNum type="romanUcPeriod" startAt="2"/>
-            </a:pPr>
-            <a:r>
-              <a:rPr lang="de-DE" b="1" dirty="0"/>
-              <a:t>Balkendiagramm 2</a:t>
-            </a:r>
-            <a:br>
-              <a:rPr lang="de-DE" b="1" dirty="0"/>
-            </a:br>
-            <a:r>
-              <a:rPr lang="de-DE" sz="2000" b="1" dirty="0"/>
-              <a:t>Vorhersage des Umsatzes in Abhängigkeit der Feiertage</a:t>
-            </a:r>
-            <a:endParaRPr lang="en-GB" sz="2000" b="1" dirty="0"/>
-          </a:p>
-        </p:txBody>
-      </p:sp>
       <p:pic>
         <p:nvPicPr>
-          <p:cNvPr id="4" name="Grafik 3"/>
+          <p:cNvPr id="8" name="Grafik 7">
+            <a:extLst>
+              <a:ext uri="{FF2B5EF4-FFF2-40B4-BE49-F238E27FC236}">
+                <a16:creationId xmlns:a16="http://schemas.microsoft.com/office/drawing/2014/main" xmlns="" id="{761A48CD-4590-4E07-B647-A1BAE9B2C580}"/>
+              </a:ext>
+            </a:extLst>
+          </p:cNvPr>
           <p:cNvPicPr>
             <a:picLocks noChangeAspect="1"/>
           </p:cNvPicPr>
           <p:nvPr/>
         </p:nvPicPr>
-        <p:blipFill>
+        <p:blipFill rotWithShape="1">
           <a:blip r:embed="rId2"/>
-          <a:stretch>
-            <a:fillRect/>
-          </a:stretch>
+          <a:srcRect t="7256"/>
+          <a:stretch/>
         </p:blipFill>
         <p:spPr>
           <a:xfrm>
-            <a:off x="9692918" y="5881688"/>
-            <a:ext cx="2114550" cy="590550"/>
+            <a:off x="2724150" y="2266950"/>
+            <a:ext cx="6743700" cy="3860403"/>
           </a:xfrm>
           <a:prstGeom prst="rect">
             <a:avLst/>
@@ -5790,59 +5866,48 @@
       </p:pic>
       <p:sp>
         <p:nvSpPr>
-          <p:cNvPr id="5" name="Fußzeilenplatzhalter 4"/>
-          <p:cNvSpPr>
-            <a:spLocks noGrp="1"/>
-          </p:cNvSpPr>
-          <p:nvPr>
-            <p:ph type="ftr" sz="quarter" idx="11"/>
-          </p:nvPr>
-        </p:nvSpPr>
-        <p:spPr/>
-        <p:txBody>
-          <a:bodyPr/>
-          <a:lstStyle/>
-          <a:p>
-            <a:r>
-              <a:rPr lang="de-DE" dirty="0"/>
-              <a:t>Sven Schadwald, Niklas Peters, Aline Lanzrath</a:t>
-            </a:r>
-            <a:endParaRPr lang="en-GB" dirty="0"/>
-          </a:p>
-        </p:txBody>
-      </p:sp>
-      <p:sp>
-        <p:nvSpPr>
-          <p:cNvPr id="6" name="Foliennummernplatzhalter 5"/>
-          <p:cNvSpPr>
-            <a:spLocks noGrp="1"/>
-          </p:cNvSpPr>
-          <p:nvPr>
-            <p:ph type="sldNum" sz="quarter" idx="12"/>
-          </p:nvPr>
-        </p:nvSpPr>
-        <p:spPr/>
-        <p:txBody>
-          <a:bodyPr/>
-          <a:lstStyle/>
-          <a:p>
-            <a:fld id="{DAF5F91D-AD75-439C-8539-4BA22F73A771}" type="slidenum">
-              <a:rPr lang="en-GB" smtClean="0"/>
-              <a:t>5</a:t>
-            </a:fld>
-            <a:endParaRPr lang="en-GB"/>
+          <p:cNvPr id="2" name="Titel 1"/>
+          <p:cNvSpPr>
+            <a:spLocks noGrp="1"/>
+          </p:cNvSpPr>
+          <p:nvPr>
+            <p:ph type="title"/>
+          </p:nvPr>
+        </p:nvSpPr>
+        <p:spPr>
+          <a:xfrm>
+            <a:off x="314218" y="410368"/>
+            <a:ext cx="10515600" cy="1325563"/>
+          </a:xfrm>
+        </p:spPr>
+        <p:txBody>
+          <a:bodyPr>
+            <a:normAutofit/>
+          </a:bodyPr>
+          <a:lstStyle/>
+          <a:p>
+            <a:pPr marL="534988" indent="-534988">
+              <a:buFont typeface="+mj-lt"/>
+              <a:buAutoNum type="romanUcPeriod" startAt="2"/>
+            </a:pPr>
+            <a:r>
+              <a:rPr lang="de-DE" b="1" dirty="0"/>
+              <a:t>Balkendiagramm 2</a:t>
+            </a:r>
+            <a:br>
+              <a:rPr lang="de-DE" b="1" dirty="0"/>
+            </a:br>
+            <a:r>
+              <a:rPr lang="de-DE" sz="2000" b="1" dirty="0"/>
+              <a:t>Vorhersage des Umsatzes in Abhängigkeit der Feiertage</a:t>
+            </a:r>
+            <a:endParaRPr lang="en-GB" sz="2000" b="1" dirty="0"/>
           </a:p>
         </p:txBody>
       </p:sp>
       <p:pic>
         <p:nvPicPr>
-          <p:cNvPr id="8" name="Grafik 7">
-            <a:extLst>
-              <a:ext uri="{FF2B5EF4-FFF2-40B4-BE49-F238E27FC236}">
-                <a16:creationId xmlns:a16="http://schemas.microsoft.com/office/drawing/2014/main" id="{761A48CD-4590-4E07-B647-A1BAE9B2C580}"/>
-              </a:ext>
-            </a:extLst>
-          </p:cNvPr>
+          <p:cNvPr id="4" name="Grafik 3"/>
           <p:cNvPicPr>
             <a:picLocks noChangeAspect="1"/>
           </p:cNvPicPr>
@@ -5856,44 +5921,299 @@
         </p:blipFill>
         <p:spPr>
           <a:xfrm>
-            <a:off x="2724150" y="1964928"/>
-            <a:ext cx="6743700" cy="4162425"/>
+            <a:off x="9692918" y="5881688"/>
+            <a:ext cx="2114550" cy="590550"/>
           </a:xfrm>
           <a:prstGeom prst="rect">
             <a:avLst/>
           </a:prstGeom>
         </p:spPr>
       </p:pic>
+      <p:sp>
+        <p:nvSpPr>
+          <p:cNvPr id="5" name="Fußzeilenplatzhalter 4"/>
+          <p:cNvSpPr>
+            <a:spLocks noGrp="1"/>
+          </p:cNvSpPr>
+          <p:nvPr>
+            <p:ph type="ftr" sz="quarter" idx="11"/>
+          </p:nvPr>
+        </p:nvSpPr>
+        <p:spPr/>
+        <p:txBody>
+          <a:bodyPr/>
+          <a:lstStyle/>
+          <a:p>
+            <a:r>
+              <a:rPr lang="de-DE" dirty="0"/>
+              <a:t>Sven Schadwald, Niklas Peters, Aline Lanzrath</a:t>
+            </a:r>
+            <a:endParaRPr lang="en-GB" dirty="0"/>
+          </a:p>
+        </p:txBody>
+      </p:sp>
+      <p:sp>
+        <p:nvSpPr>
+          <p:cNvPr id="6" name="Foliennummernplatzhalter 5"/>
+          <p:cNvSpPr>
+            <a:spLocks noGrp="1"/>
+          </p:cNvSpPr>
+          <p:nvPr>
+            <p:ph type="sldNum" sz="quarter" idx="12"/>
+          </p:nvPr>
+        </p:nvSpPr>
+        <p:spPr/>
+        <p:txBody>
+          <a:bodyPr/>
+          <a:lstStyle/>
+          <a:p>
+            <a:fld id="{DAF5F91D-AD75-439C-8539-4BA22F73A771}" type="slidenum">
+              <a:rPr lang="en-GB" smtClean="0"/>
+              <a:t>5</a:t>
+            </a:fld>
+            <a:endParaRPr lang="en-GB"/>
+          </a:p>
+        </p:txBody>
+      </p:sp>
+      <p:sp>
+        <p:nvSpPr>
+          <p:cNvPr id="3" name="Rechteck 2"/>
+          <p:cNvSpPr/>
+          <p:nvPr/>
+        </p:nvSpPr>
+        <p:spPr>
+          <a:xfrm>
+            <a:off x="4343400" y="3429001"/>
+            <a:ext cx="923925" cy="2114550"/>
+          </a:xfrm>
+          <a:prstGeom prst="rect">
+            <a:avLst/>
+          </a:prstGeom>
+          <a:noFill/>
+          <a:ln w="28575">
+            <a:solidFill>
+              <a:srgbClr val="FF0000"/>
+            </a:solidFill>
+          </a:ln>
+        </p:spPr>
+        <p:style>
+          <a:lnRef idx="2">
+            <a:schemeClr val="accent1">
+              <a:shade val="50000"/>
+            </a:schemeClr>
+          </a:lnRef>
+          <a:fillRef idx="1">
+            <a:schemeClr val="accent1"/>
+          </a:fillRef>
+          <a:effectRef idx="0">
+            <a:schemeClr val="accent1"/>
+          </a:effectRef>
+          <a:fontRef idx="minor">
+            <a:schemeClr val="lt1"/>
+          </a:fontRef>
+        </p:style>
+        <p:txBody>
+          <a:bodyPr rtlCol="0" anchor="ctr"/>
+          <a:lstStyle/>
+          <a:p>
+            <a:pPr algn="ctr"/>
+            <a:endParaRPr lang="en-GB"/>
+          </a:p>
+        </p:txBody>
+      </p:sp>
       <p:pic>
         <p:nvPicPr>
-          <p:cNvPr id="9" name="Grafik 8">
-            <a:extLst>
-              <a:ext uri="{FF2B5EF4-FFF2-40B4-BE49-F238E27FC236}">
-                <a16:creationId xmlns:a16="http://schemas.microsoft.com/office/drawing/2014/main" id="{8E15A607-4E80-4BB6-B84A-3D8D7DABC6A2}"/>
-              </a:ext>
-            </a:extLst>
-          </p:cNvPr>
+          <p:cNvPr id="7" name="Grafik 6"/>
           <p:cNvPicPr>
             <a:picLocks noChangeAspect="1"/>
           </p:cNvPicPr>
           <p:nvPr/>
         </p:nvPicPr>
-        <p:blipFill>
+        <p:blipFill rotWithShape="1">
           <a:blip r:embed="rId4"/>
-          <a:stretch>
-            <a:fillRect/>
-          </a:stretch>
+          <a:srcRect b="49048"/>
+          <a:stretch/>
         </p:blipFill>
         <p:spPr>
           <a:xfrm>
-            <a:off x="9411128" y="418058"/>
-            <a:ext cx="2137025" cy="961661"/>
+            <a:off x="9067800" y="410368"/>
+            <a:ext cx="2286000" cy="1019175"/>
           </a:xfrm>
           <a:prstGeom prst="rect">
             <a:avLst/>
           </a:prstGeom>
         </p:spPr>
       </p:pic>
+      <p:sp>
+        <p:nvSpPr>
+          <p:cNvPr id="10" name="Textfeld 9"/>
+          <p:cNvSpPr txBox="1"/>
+          <p:nvPr/>
+        </p:nvSpPr>
+        <p:spPr>
+          <a:xfrm>
+            <a:off x="9457789" y="2246843"/>
+            <a:ext cx="2584807" cy="3123932"/>
+          </a:xfrm>
+          <a:prstGeom prst="rect">
+            <a:avLst/>
+          </a:prstGeom>
+          <a:noFill/>
+        </p:spPr>
+        <p:txBody>
+          <a:bodyPr wrap="square" rtlCol="0">
+            <a:spAutoFit/>
+          </a:bodyPr>
+          <a:lstStyle/>
+          <a:p>
+            <a:r>
+              <a:rPr lang="de-DE" sz="2400" b="1" dirty="0" err="1" smtClean="0"/>
+              <a:t>Insights</a:t>
+            </a:r>
+            <a:r>
+              <a:rPr lang="de-DE" sz="2400" b="1" dirty="0"/>
+              <a:t>.</a:t>
+            </a:r>
+            <a:endParaRPr lang="de-DE" sz="2400" b="1" dirty="0" smtClean="0"/>
+          </a:p>
+          <a:p>
+            <a:endParaRPr lang="de-DE" b="1" dirty="0" smtClean="0"/>
+          </a:p>
+          <a:p>
+            <a:pPr marL="285750" indent="-285750">
+              <a:buFont typeface="Wingdings" panose="05000000000000000000" pitchFamily="2" charset="2"/>
+              <a:buChar char="ü"/>
+            </a:pPr>
+            <a:r>
+              <a:rPr lang="de-DE" dirty="0" smtClean="0"/>
+              <a:t>Signifikant erhöhter  Umsatz an Feiertagen</a:t>
+            </a:r>
+          </a:p>
+          <a:p>
+            <a:endParaRPr lang="de-DE" dirty="0" smtClean="0"/>
+          </a:p>
+          <a:p>
+            <a:pPr marL="285750" indent="-285750">
+              <a:buFont typeface="Wingdings" panose="05000000000000000000" pitchFamily="2" charset="2"/>
+              <a:buChar char="ü"/>
+            </a:pPr>
+            <a:r>
+              <a:rPr lang="de-DE" dirty="0" smtClean="0"/>
+              <a:t> Signifikant erhöhter Umsatz wenn der Feiertag auf einen Montag fällt und es Sommer ist </a:t>
+            </a:r>
+            <a:r>
+              <a:rPr lang="de-DE" sz="1100" dirty="0" smtClean="0"/>
+              <a:t>(langes Wochenende an Pfingsten) </a:t>
+            </a:r>
+          </a:p>
+        </p:txBody>
+      </p:sp>
+      <p:sp>
+        <p:nvSpPr>
+          <p:cNvPr id="11" name="Rechteck 10"/>
+          <p:cNvSpPr/>
+          <p:nvPr/>
+        </p:nvSpPr>
+        <p:spPr>
+          <a:xfrm>
+            <a:off x="2686050" y="3790950"/>
+            <a:ext cx="400050" cy="561975"/>
+          </a:xfrm>
+          <a:prstGeom prst="rect">
+            <a:avLst/>
+          </a:prstGeom>
+          <a:noFill/>
+          <a:ln>
+            <a:solidFill>
+              <a:schemeClr val="bg1"/>
+            </a:solidFill>
+          </a:ln>
+        </p:spPr>
+        <p:style>
+          <a:lnRef idx="2">
+            <a:schemeClr val="accent1">
+              <a:shade val="50000"/>
+            </a:schemeClr>
+          </a:lnRef>
+          <a:fillRef idx="1">
+            <a:schemeClr val="accent1"/>
+          </a:fillRef>
+          <a:effectRef idx="0">
+            <a:schemeClr val="accent1"/>
+          </a:effectRef>
+          <a:fontRef idx="minor">
+            <a:schemeClr val="lt1"/>
+          </a:fontRef>
+        </p:style>
+        <p:txBody>
+          <a:bodyPr rtlCol="0" anchor="ctr"/>
+          <a:lstStyle/>
+          <a:p>
+            <a:pPr algn="ctr"/>
+            <a:endParaRPr lang="en-GB"/>
+          </a:p>
+        </p:txBody>
+      </p:sp>
+      <p:sp>
+        <p:nvSpPr>
+          <p:cNvPr id="12" name="Rechteck 11"/>
+          <p:cNvSpPr/>
+          <p:nvPr/>
+        </p:nvSpPr>
+        <p:spPr>
+          <a:xfrm rot="5400000">
+            <a:off x="2371725" y="3676650"/>
+            <a:ext cx="714375" cy="809626"/>
+          </a:xfrm>
+          <a:prstGeom prst="rect">
+            <a:avLst/>
+          </a:prstGeom>
+          <a:solidFill>
+            <a:schemeClr val="bg1"/>
+          </a:solidFill>
+          <a:ln>
+            <a:solidFill>
+              <a:schemeClr val="bg1"/>
+            </a:solidFill>
+          </a:ln>
+        </p:spPr>
+        <p:style>
+          <a:lnRef idx="2">
+            <a:schemeClr val="accent1">
+              <a:shade val="50000"/>
+            </a:schemeClr>
+          </a:lnRef>
+          <a:fillRef idx="1">
+            <a:schemeClr val="accent1"/>
+          </a:fillRef>
+          <a:effectRef idx="0">
+            <a:schemeClr val="accent1"/>
+          </a:effectRef>
+          <a:fontRef idx="minor">
+            <a:schemeClr val="lt1"/>
+          </a:fontRef>
+        </p:style>
+        <p:txBody>
+          <a:bodyPr rtlCol="0" anchor="ctr"/>
+          <a:lstStyle/>
+          <a:p>
+            <a:pPr algn="ctr"/>
+            <a:r>
+              <a:rPr lang="de-DE" sz="1100" dirty="0" smtClean="0">
+                <a:solidFill>
+                  <a:schemeClr val="tx1"/>
+                </a:solidFill>
+              </a:rPr>
+              <a:t>Mittlerer Umsatz</a:t>
+            </a:r>
+            <a:endParaRPr lang="en-GB" sz="1100" dirty="0">
+              <a:solidFill>
+                <a:schemeClr val="tx1"/>
+              </a:solidFill>
+            </a:endParaRPr>
+          </a:p>
+        </p:txBody>
+      </p:sp>
     </p:spTree>
     <p:extLst>
       <p:ext uri="{BB962C8B-B14F-4D97-AF65-F5344CB8AC3E}">
@@ -5959,7 +6279,19 @@
             </a:br>
             <a:r>
               <a:rPr lang="de-DE" sz="2000" b="1" dirty="0"/>
-              <a:t>Vorhersage des Umsatzes in Abhängigkeit zur Temperatur</a:t>
+              <a:t>Vorhersage des Umsatzes in Abhängigkeit </a:t>
+            </a:r>
+            <a:r>
+              <a:rPr lang="de-DE" sz="2000" b="1" dirty="0" smtClean="0"/>
+              <a:t>der</a:t>
+            </a:r>
+            <a:r>
+              <a:rPr lang="de-DE" sz="2000" b="1" dirty="0" smtClean="0"/>
+              <a:t> </a:t>
+            </a:r>
+            <a:r>
+              <a:rPr lang="de-DE" sz="2000" b="1" dirty="0"/>
+              <a:t>Temperatur</a:t>
             </a:r>
             <a:endParaRPr lang="en-GB" sz="2000" b="1" dirty="0"/>
           </a:p>
@@ -6037,10 +6369,10 @@
       </p:sp>
       <p:pic>
         <p:nvPicPr>
-          <p:cNvPr id="9" name="Grafik 8">
+          <p:cNvPr id="3" name="Grafik 2">
             <a:extLst>
               <a:ext uri="{FF2B5EF4-FFF2-40B4-BE49-F238E27FC236}">
-                <a16:creationId xmlns:a16="http://schemas.microsoft.com/office/drawing/2014/main" id="{8E15A607-4E80-4BB6-B84A-3D8D7DABC6A2}"/>
+                <a16:creationId xmlns:a16="http://schemas.microsoft.com/office/drawing/2014/main" xmlns="" id="{24F046AA-757B-4A9C-82F3-ADD3D26D2F35}"/>
               </a:ext>
             </a:extLst>
           </p:cNvPr>
@@ -6049,58 +6381,27 @@
           </p:cNvPicPr>
           <p:nvPr/>
         </p:nvPicPr>
-        <p:blipFill>
+        <p:blipFill rotWithShape="1">
           <a:blip r:embed="rId3"/>
-          <a:stretch>
-            <a:fillRect/>
-          </a:stretch>
+          <a:srcRect t="6829"/>
+          <a:stretch/>
         </p:blipFill>
         <p:spPr>
           <a:xfrm>
-            <a:off x="9411128" y="418058"/>
-            <a:ext cx="2137025" cy="961661"/>
+            <a:off x="2446159" y="2257425"/>
+            <a:ext cx="6705600" cy="3860403"/>
           </a:xfrm>
           <a:prstGeom prst="rect">
             <a:avLst/>
           </a:prstGeom>
         </p:spPr>
       </p:pic>
-      <p:pic>
-        <p:nvPicPr>
-          <p:cNvPr id="3" name="Grafik 2">
-            <a:extLst>
-              <a:ext uri="{FF2B5EF4-FFF2-40B4-BE49-F238E27FC236}">
-                <a16:creationId xmlns:a16="http://schemas.microsoft.com/office/drawing/2014/main" id="{24F046AA-757B-4A9C-82F3-ADD3D26D2F35}"/>
-              </a:ext>
-            </a:extLst>
-          </p:cNvPr>
-          <p:cNvPicPr>
-            <a:picLocks noChangeAspect="1"/>
-          </p:cNvPicPr>
-          <p:nvPr/>
-        </p:nvPicPr>
-        <p:blipFill>
-          <a:blip r:embed="rId4"/>
-          <a:stretch>
-            <a:fillRect/>
-          </a:stretch>
-        </p:blipFill>
-        <p:spPr>
-          <a:xfrm>
-            <a:off x="2446159" y="1974453"/>
-            <a:ext cx="6705600" cy="4143375"/>
-          </a:xfrm>
-          <a:prstGeom prst="rect">
-            <a:avLst/>
-          </a:prstGeom>
-        </p:spPr>
-      </p:pic>
       <p:sp>
         <p:nvSpPr>
           <p:cNvPr id="7" name="Textfeld 6">
             <a:extLst>
               <a:ext uri="{FF2B5EF4-FFF2-40B4-BE49-F238E27FC236}">
-                <a16:creationId xmlns:a16="http://schemas.microsoft.com/office/drawing/2014/main" id="{DBA1FD20-3C20-43ED-9AE6-6E4C5137961C}"/>
+                <a16:creationId xmlns:a16="http://schemas.microsoft.com/office/drawing/2014/main" xmlns="" id="{DBA1FD20-3C20-43ED-9AE6-6E4C5137961C}"/>
               </a:ext>
             </a:extLst>
           </p:cNvPr>
@@ -6137,7 +6438,7 @@
           <p:cNvPr id="12" name="Textfeld 11">
             <a:extLst>
               <a:ext uri="{FF2B5EF4-FFF2-40B4-BE49-F238E27FC236}">
-                <a16:creationId xmlns:a16="http://schemas.microsoft.com/office/drawing/2014/main" id="{7D1723D1-E15D-4CA4-B68B-09480E38E1D8}"/>
+                <a16:creationId xmlns:a16="http://schemas.microsoft.com/office/drawing/2014/main" xmlns="" id="{7D1723D1-E15D-4CA4-B68B-09480E38E1D8}"/>
               </a:ext>
             </a:extLst>
           </p:cNvPr>
@@ -6174,7 +6475,7 @@
           <p:cNvPr id="13" name="Rechteck 12">
             <a:extLst>
               <a:ext uri="{FF2B5EF4-FFF2-40B4-BE49-F238E27FC236}">
-                <a16:creationId xmlns:a16="http://schemas.microsoft.com/office/drawing/2014/main" id="{D77097B3-B518-4ABD-80F9-2EA6120A698B}"/>
+                <a16:creationId xmlns:a16="http://schemas.microsoft.com/office/drawing/2014/main" xmlns="" id="{D77097B3-B518-4ABD-80F9-2EA6120A698B}"/>
               </a:ext>
             </a:extLst>
           </p:cNvPr>
@@ -6228,7 +6529,7 @@
           <p:cNvPr id="10" name="Textfeld 9">
             <a:extLst>
               <a:ext uri="{FF2B5EF4-FFF2-40B4-BE49-F238E27FC236}">
-                <a16:creationId xmlns:a16="http://schemas.microsoft.com/office/drawing/2014/main" id="{018F2EE3-2602-4AEB-9050-67EF44FA0C07}"/>
+                <a16:creationId xmlns:a16="http://schemas.microsoft.com/office/drawing/2014/main" xmlns="" id="{018F2EE3-2602-4AEB-9050-67EF44FA0C07}"/>
               </a:ext>
             </a:extLst>
           </p:cNvPr>
@@ -6265,7 +6566,7 @@
           <p:cNvPr id="11" name="Textfeld 10">
             <a:extLst>
               <a:ext uri="{FF2B5EF4-FFF2-40B4-BE49-F238E27FC236}">
-                <a16:creationId xmlns:a16="http://schemas.microsoft.com/office/drawing/2014/main" id="{6D8EE407-1FBA-4BE0-BD34-4200B1DB468D}"/>
+                <a16:creationId xmlns:a16="http://schemas.microsoft.com/office/drawing/2014/main" xmlns="" id="{6D8EE407-1FBA-4BE0-BD34-4200B1DB468D}"/>
               </a:ext>
             </a:extLst>
           </p:cNvPr>
@@ -6302,7 +6603,7 @@
           <p:cNvPr id="14" name="Textfeld 13">
             <a:extLst>
               <a:ext uri="{FF2B5EF4-FFF2-40B4-BE49-F238E27FC236}">
-                <a16:creationId xmlns:a16="http://schemas.microsoft.com/office/drawing/2014/main" id="{8DAD0F2E-7FAC-403C-8883-7CFD7DB9C23C}"/>
+                <a16:creationId xmlns:a16="http://schemas.microsoft.com/office/drawing/2014/main" xmlns="" id="{8DAD0F2E-7FAC-403C-8883-7CFD7DB9C23C}"/>
               </a:ext>
             </a:extLst>
           </p:cNvPr>
@@ -6332,6 +6633,150 @@
               <a:t>Temperatur_Code</a:t>
             </a:r>
             <a:endParaRPr lang="de-DE" sz="1200" dirty="0"/>
+          </a:p>
+        </p:txBody>
+      </p:sp>
+      <p:sp>
+        <p:nvSpPr>
+          <p:cNvPr id="15" name="Rechteck 14"/>
+          <p:cNvSpPr/>
+          <p:nvPr/>
+        </p:nvSpPr>
+        <p:spPr>
+          <a:xfrm rot="5400000">
+            <a:off x="2190750" y="3486152"/>
+            <a:ext cx="714375" cy="809626"/>
+          </a:xfrm>
+          <a:prstGeom prst="rect">
+            <a:avLst/>
+          </a:prstGeom>
+          <a:solidFill>
+            <a:schemeClr val="bg1"/>
+          </a:solidFill>
+          <a:ln>
+            <a:solidFill>
+              <a:schemeClr val="bg1"/>
+            </a:solidFill>
+          </a:ln>
+        </p:spPr>
+        <p:style>
+          <a:lnRef idx="2">
+            <a:schemeClr val="accent1">
+              <a:shade val="50000"/>
+            </a:schemeClr>
+          </a:lnRef>
+          <a:fillRef idx="1">
+            <a:schemeClr val="accent1"/>
+          </a:fillRef>
+          <a:effectRef idx="0">
+            <a:schemeClr val="accent1"/>
+          </a:effectRef>
+          <a:fontRef idx="minor">
+            <a:schemeClr val="lt1"/>
+          </a:fontRef>
+        </p:style>
+        <p:txBody>
+          <a:bodyPr rtlCol="0" anchor="ctr"/>
+          <a:lstStyle/>
+          <a:p>
+            <a:pPr algn="ctr"/>
+            <a:r>
+              <a:rPr lang="de-DE" sz="1100" dirty="0" smtClean="0">
+                <a:solidFill>
+                  <a:schemeClr val="tx1"/>
+                </a:solidFill>
+              </a:rPr>
+              <a:t>Mittlerer Umsatz</a:t>
+            </a:r>
+            <a:endParaRPr lang="en-GB" sz="1100" dirty="0">
+              <a:solidFill>
+                <a:schemeClr val="tx1"/>
+              </a:solidFill>
+            </a:endParaRPr>
+          </a:p>
+        </p:txBody>
+      </p:sp>
+      <p:pic>
+        <p:nvPicPr>
+          <p:cNvPr id="16" name="Grafik 15"/>
+          <p:cNvPicPr>
+            <a:picLocks noChangeAspect="1"/>
+          </p:cNvPicPr>
+          <p:nvPr/>
+        </p:nvPicPr>
+        <p:blipFill rotWithShape="1">
+          <a:blip r:embed="rId4"/>
+          <a:srcRect b="71169"/>
+          <a:stretch/>
+        </p:blipFill>
+        <p:spPr>
+          <a:xfrm>
+            <a:off x="9151759" y="609265"/>
+            <a:ext cx="2145266" cy="463884"/>
+          </a:xfrm>
+          <a:prstGeom prst="rect">
+            <a:avLst/>
+          </a:prstGeom>
+        </p:spPr>
+      </p:pic>
+      <p:sp>
+        <p:nvSpPr>
+          <p:cNvPr id="17" name="Textfeld 16"/>
+          <p:cNvSpPr txBox="1"/>
+          <p:nvPr/>
+        </p:nvSpPr>
+        <p:spPr>
+          <a:xfrm>
+            <a:off x="9457789" y="2246843"/>
+            <a:ext cx="2584807" cy="2954655"/>
+          </a:xfrm>
+          <a:prstGeom prst="rect">
+            <a:avLst/>
+          </a:prstGeom>
+          <a:noFill/>
+        </p:spPr>
+        <p:txBody>
+          <a:bodyPr wrap="square" rtlCol="0">
+            <a:spAutoFit/>
+          </a:bodyPr>
+          <a:lstStyle/>
+          <a:p>
+            <a:r>
+              <a:rPr lang="de-DE" sz="2400" b="1" dirty="0" err="1" smtClean="0"/>
+              <a:t>Insights</a:t>
+            </a:r>
+            <a:r>
+              <a:rPr lang="de-DE" sz="2400" b="1" dirty="0"/>
+              <a:t>.</a:t>
+            </a:r>
+            <a:endParaRPr lang="de-DE" sz="2400" b="1" dirty="0" smtClean="0"/>
+          </a:p>
+          <a:p>
+            <a:endParaRPr lang="de-DE" b="1" dirty="0" smtClean="0"/>
+          </a:p>
+          <a:p>
+            <a:pPr marL="285750" indent="-285750">
+              <a:buFont typeface="Wingdings" panose="05000000000000000000" pitchFamily="2" charset="2"/>
+              <a:buChar char="ü"/>
+            </a:pPr>
+            <a:r>
+              <a:rPr lang="de-DE" dirty="0" smtClean="0"/>
+              <a:t>Der Umsatz steigt mit steigender Temperatur</a:t>
+            </a:r>
+          </a:p>
+          <a:p>
+            <a:endParaRPr lang="de-DE" dirty="0" smtClean="0"/>
+          </a:p>
+          <a:p>
+            <a:pPr marL="285750" indent="-285750">
+              <a:buFont typeface="Wingdings" panose="05000000000000000000" pitchFamily="2" charset="2"/>
+              <a:buChar char="ü"/>
+            </a:pPr>
+            <a:r>
+              <a:rPr lang="de-DE" dirty="0" smtClean="0"/>
+              <a:t> Insbesondere bei frühlingshaften und sommerlichen Temperaturen werden hohe Umsätze erzielt</a:t>
+            </a:r>
+            <a:endParaRPr lang="de-DE" sz="1100" dirty="0" smtClean="0"/>
           </a:p>
         </p:txBody>
       </p:sp>
@@ -6365,66 +6810,6 @@
           <a:chExt cx="0" cy="0"/>
         </a:xfrm>
       </p:grpSpPr>
-      <p:sp>
-        <p:nvSpPr>
-          <p:cNvPr id="2" name="Titel 1"/>
-          <p:cNvSpPr>
-            <a:spLocks noGrp="1"/>
-          </p:cNvSpPr>
-          <p:nvPr>
-            <p:ph type="title"/>
-          </p:nvPr>
-        </p:nvSpPr>
-        <p:spPr>
-          <a:xfrm>
-            <a:off x="345042" y="365125"/>
-            <a:ext cx="10515600" cy="1325563"/>
-          </a:xfrm>
-        </p:spPr>
-        <p:txBody>
-          <a:bodyPr>
-            <a:normAutofit/>
-          </a:bodyPr>
-          <a:lstStyle/>
-          <a:p>
-            <a:pPr marL="627063" indent="-627063">
-              <a:buFont typeface="+mj-lt"/>
-              <a:buAutoNum type="romanUcPeriod" startAt="3"/>
-            </a:pPr>
-            <a:r>
-              <a:rPr lang="de-DE" b="1" dirty="0"/>
-              <a:t>Vorhersage des Umsatzes am 04.06.2019</a:t>
-            </a:r>
-            <a:br>
-              <a:rPr lang="de-DE" b="1" dirty="0"/>
-            </a:br>
-            <a:r>
-              <a:rPr lang="de-DE" sz="2000" dirty="0"/>
-              <a:t>Analysen SVM – Je Warengruppe</a:t>
-            </a:r>
-            <a:endParaRPr lang="en-GB" sz="2000" dirty="0"/>
-          </a:p>
-        </p:txBody>
-      </p:sp>
-      <p:sp>
-        <p:nvSpPr>
-          <p:cNvPr id="3" name="Inhaltsplatzhalter 2"/>
-          <p:cNvSpPr>
-            <a:spLocks noGrp="1"/>
-          </p:cNvSpPr>
-          <p:nvPr>
-            <p:ph idx="1"/>
-          </p:nvPr>
-        </p:nvSpPr>
-        <p:spPr/>
-        <p:txBody>
-          <a:bodyPr/>
-          <a:lstStyle/>
-          <a:p>
-            <a:endParaRPr lang="en-GB"/>
-          </a:p>
-        </p:txBody>
-      </p:sp>
       <p:pic>
         <p:nvPicPr>
           <p:cNvPr id="4" name="Grafik 3"/>
@@ -6468,6 +6853,7 @@
               <a:rPr lang="de-DE" dirty="0"/>
               <a:t>Sven Schadwald, Niklas Peters, Aline Lanzrath</a:t>
             </a:r>
+            <a:endParaRPr lang="en-GB" dirty="0"/>
           </a:p>
         </p:txBody>
       </p:sp>
@@ -6494,10 +6880,360 @@
           </a:p>
         </p:txBody>
       </p:sp>
+      <p:sp>
+        <p:nvSpPr>
+          <p:cNvPr id="17" name="Textfeld 16"/>
+          <p:cNvSpPr txBox="1"/>
+          <p:nvPr/>
+        </p:nvSpPr>
+        <p:spPr>
+          <a:xfrm>
+            <a:off x="647164" y="1690688"/>
+            <a:ext cx="6250941" cy="4272965"/>
+          </a:xfrm>
+          <a:prstGeom prst="rect">
+            <a:avLst/>
+          </a:prstGeom>
+          <a:noFill/>
+        </p:spPr>
+        <p:txBody>
+          <a:bodyPr wrap="square" rtlCol="0">
+            <a:spAutoFit/>
+          </a:bodyPr>
+          <a:lstStyle/>
+          <a:p>
+            <a:endParaRPr lang="de-DE" b="1" dirty="0" smtClean="0"/>
+          </a:p>
+          <a:p>
+            <a:r>
+              <a:rPr lang="de-DE" sz="2600" b="1" dirty="0" smtClean="0"/>
+              <a:t>↑</a:t>
+            </a:r>
+            <a:r>
+              <a:rPr lang="de-DE" dirty="0" smtClean="0"/>
+              <a:t>Umsatz </a:t>
+            </a:r>
+            <a:endParaRPr lang="de-DE" dirty="0"/>
+          </a:p>
+          <a:p>
+            <a:endParaRPr lang="de-DE" dirty="0" smtClean="0"/>
+          </a:p>
+          <a:p>
+            <a:r>
+              <a:rPr lang="de-DE" dirty="0" smtClean="0"/>
+              <a:t>Wenn…</a:t>
+            </a:r>
+          </a:p>
+          <a:p>
+            <a:endParaRPr lang="de-DE" dirty="0"/>
+          </a:p>
+          <a:p>
+            <a:pPr marL="285750" indent="-285750">
+              <a:spcAft>
+                <a:spcPts val="200"/>
+              </a:spcAft>
+              <a:buFont typeface="Wingdings" panose="05000000000000000000" pitchFamily="2" charset="2"/>
+              <a:buChar char="ü"/>
+            </a:pPr>
+            <a:r>
+              <a:rPr lang="de-DE" dirty="0" smtClean="0"/>
+              <a:t>Kieler Woche</a:t>
+            </a:r>
+          </a:p>
+          <a:p>
+            <a:pPr marL="285750" indent="-285750">
+              <a:spcAft>
+                <a:spcPts val="200"/>
+              </a:spcAft>
+              <a:buFont typeface="Wingdings" panose="05000000000000000000" pitchFamily="2" charset="2"/>
+              <a:buChar char="ü"/>
+            </a:pPr>
+            <a:r>
+              <a:rPr lang="de-DE" dirty="0" smtClean="0"/>
+              <a:t>Feiertag</a:t>
+            </a:r>
+          </a:p>
+          <a:p>
+            <a:pPr marL="285750" indent="-285750">
+              <a:spcAft>
+                <a:spcPts val="200"/>
+              </a:spcAft>
+              <a:buFont typeface="Wingdings" panose="05000000000000000000" pitchFamily="2" charset="2"/>
+              <a:buChar char="ü"/>
+            </a:pPr>
+            <a:r>
+              <a:rPr lang="de-DE" dirty="0" smtClean="0"/>
+              <a:t>Wochenende</a:t>
+            </a:r>
+          </a:p>
+          <a:p>
+            <a:pPr marL="285750" indent="-285750">
+              <a:spcAft>
+                <a:spcPts val="200"/>
+              </a:spcAft>
+              <a:buFont typeface="Wingdings" panose="05000000000000000000" pitchFamily="2" charset="2"/>
+              <a:buChar char="ü"/>
+            </a:pPr>
+            <a:r>
+              <a:rPr lang="de-DE" dirty="0" smtClean="0"/>
+              <a:t>Verlängertes Wochenende durch Feiertag, der auf Montag fällt (z.B. Pfingstmontag)</a:t>
+            </a:r>
+          </a:p>
+          <a:p>
+            <a:pPr marL="285750" indent="-285750">
+              <a:spcAft>
+                <a:spcPts val="200"/>
+              </a:spcAft>
+              <a:buFont typeface="Wingdings" panose="05000000000000000000" pitchFamily="2" charset="2"/>
+              <a:buChar char="ü"/>
+            </a:pPr>
+            <a:r>
+              <a:rPr lang="de-DE" dirty="0" smtClean="0"/>
+              <a:t>Wolkenloser Himmel</a:t>
+            </a:r>
+          </a:p>
+          <a:p>
+            <a:pPr marL="285750" indent="-285750">
+              <a:spcAft>
+                <a:spcPts val="200"/>
+              </a:spcAft>
+              <a:buFont typeface="Wingdings" panose="05000000000000000000" pitchFamily="2" charset="2"/>
+              <a:buChar char="ü"/>
+            </a:pPr>
+            <a:r>
+              <a:rPr lang="de-DE" dirty="0" smtClean="0"/>
+              <a:t>Hohe Temperaturen</a:t>
+            </a:r>
+          </a:p>
+          <a:p>
+            <a:pPr marL="285750" indent="-285750">
+              <a:spcAft>
+                <a:spcPts val="200"/>
+              </a:spcAft>
+              <a:buFont typeface="Wingdings" panose="05000000000000000000" pitchFamily="2" charset="2"/>
+              <a:buChar char="ü"/>
+            </a:pPr>
+            <a:r>
+              <a:rPr lang="de-DE" dirty="0" smtClean="0"/>
+              <a:t>Verkauf von Brot, Brötchen und Croissants (hohe Margen) </a:t>
+            </a:r>
+            <a:endParaRPr lang="de-DE" dirty="0"/>
+          </a:p>
+          <a:p>
+            <a:pPr marL="285750" indent="-285750">
+              <a:spcAft>
+                <a:spcPts val="200"/>
+              </a:spcAft>
+              <a:buFont typeface="Wingdings" panose="05000000000000000000" pitchFamily="2" charset="2"/>
+              <a:buChar char="ü"/>
+            </a:pPr>
+            <a:endParaRPr lang="de-DE" dirty="0" smtClean="0"/>
+          </a:p>
+        </p:txBody>
+      </p:sp>
+      <p:sp>
+        <p:nvSpPr>
+          <p:cNvPr id="18" name="Titel 1"/>
+          <p:cNvSpPr>
+            <a:spLocks noGrp="1"/>
+          </p:cNvSpPr>
+          <p:nvPr>
+            <p:ph type="title"/>
+          </p:nvPr>
+        </p:nvSpPr>
+        <p:spPr>
+          <a:xfrm>
+            <a:off x="345042" y="365125"/>
+            <a:ext cx="10515600" cy="1325563"/>
+          </a:xfrm>
+        </p:spPr>
+        <p:txBody>
+          <a:bodyPr>
+            <a:normAutofit/>
+          </a:bodyPr>
+          <a:lstStyle/>
+          <a:p>
+            <a:pPr marL="627063" indent="-627063">
+              <a:buFont typeface="+mj-lt"/>
+              <a:buAutoNum type="romanUcPeriod" startAt="3"/>
+            </a:pPr>
+            <a:r>
+              <a:rPr lang="de-DE" b="1" dirty="0" smtClean="0"/>
+              <a:t>Umsatztreiber</a:t>
+            </a:r>
+            <a:r>
+              <a:rPr lang="de-DE" b="1" dirty="0"/>
+              <a:t/>
+            </a:r>
+            <a:br>
+              <a:rPr lang="de-DE" b="1" dirty="0"/>
+            </a:br>
+            <a:r>
+              <a:rPr lang="de-DE" sz="2000" dirty="0" smtClean="0"/>
+              <a:t>Signifikante Prädiktoren des Bäckereiumsatzes </a:t>
+            </a:r>
+            <a:endParaRPr lang="en-GB" sz="2000" dirty="0"/>
+          </a:p>
+        </p:txBody>
+      </p:sp>
+      <p:sp>
+        <p:nvSpPr>
+          <p:cNvPr id="20" name="Textfeld 19"/>
+          <p:cNvSpPr txBox="1"/>
+          <p:nvPr/>
+        </p:nvSpPr>
+        <p:spPr>
+          <a:xfrm>
+            <a:off x="7734271" y="1856570"/>
+            <a:ext cx="3917293" cy="3062377"/>
+          </a:xfrm>
+          <a:prstGeom prst="rect">
+            <a:avLst/>
+          </a:prstGeom>
+          <a:noFill/>
+        </p:spPr>
+        <p:txBody>
+          <a:bodyPr wrap="square" rtlCol="0">
+            <a:spAutoFit/>
+          </a:bodyPr>
+          <a:lstStyle/>
+          <a:p>
+            <a:endParaRPr lang="de-DE" b="1" dirty="0" smtClean="0"/>
+          </a:p>
+          <a:p>
+            <a:r>
+              <a:rPr lang="de-DE" sz="2600" b="1" dirty="0" smtClean="0">
+                <a:sym typeface="Symbol" panose="05050102010706020507" pitchFamily="18" charset="2"/>
+              </a:rPr>
+              <a:t> </a:t>
+            </a:r>
+            <a:r>
+              <a:rPr lang="de-DE" dirty="0" smtClean="0"/>
+              <a:t>Umsatz </a:t>
+            </a:r>
+            <a:endParaRPr lang="de-DE" dirty="0"/>
+          </a:p>
+          <a:p>
+            <a:endParaRPr lang="de-DE" dirty="0" smtClean="0"/>
+          </a:p>
+          <a:p>
+            <a:r>
+              <a:rPr lang="de-DE" dirty="0" smtClean="0"/>
+              <a:t>Wenn…</a:t>
+            </a:r>
+          </a:p>
+          <a:p>
+            <a:endParaRPr lang="de-DE" dirty="0"/>
+          </a:p>
+          <a:p>
+            <a:pPr marL="285750" indent="-285750">
+              <a:spcAft>
+                <a:spcPts val="200"/>
+              </a:spcAft>
+              <a:buFont typeface="Wingdings" panose="05000000000000000000" pitchFamily="2" charset="2"/>
+              <a:buChar char="ü"/>
+            </a:pPr>
+            <a:r>
+              <a:rPr lang="de-DE" dirty="0" smtClean="0"/>
+              <a:t>Werktag</a:t>
+            </a:r>
+          </a:p>
+          <a:p>
+            <a:pPr marL="285750" indent="-285750">
+              <a:spcAft>
+                <a:spcPts val="200"/>
+              </a:spcAft>
+              <a:buFont typeface="Wingdings" panose="05000000000000000000" pitchFamily="2" charset="2"/>
+              <a:buChar char="ü"/>
+            </a:pPr>
+            <a:r>
+              <a:rPr lang="de-DE" dirty="0" smtClean="0"/>
+              <a:t>Kühle Temperaturen</a:t>
+            </a:r>
+          </a:p>
+          <a:p>
+            <a:pPr marL="285750" indent="-285750">
+              <a:spcAft>
+                <a:spcPts val="200"/>
+              </a:spcAft>
+              <a:buFont typeface="Wingdings" panose="05000000000000000000" pitchFamily="2" charset="2"/>
+              <a:buChar char="ü"/>
+            </a:pPr>
+            <a:r>
+              <a:rPr lang="de-DE" dirty="0" smtClean="0"/>
+              <a:t>Schnellfall</a:t>
+            </a:r>
+          </a:p>
+          <a:p>
+            <a:pPr marL="285750" indent="-285750">
+              <a:spcAft>
+                <a:spcPts val="200"/>
+              </a:spcAft>
+              <a:buFont typeface="Wingdings" panose="05000000000000000000" pitchFamily="2" charset="2"/>
+              <a:buChar char="ü"/>
+            </a:pPr>
+            <a:r>
+              <a:rPr lang="de-DE" dirty="0" smtClean="0"/>
+              <a:t>Verkauf von Konditorei und Saisonbrot (geringe Margen)</a:t>
+            </a:r>
+          </a:p>
+        </p:txBody>
+      </p:sp>
+      <p:sp>
+        <p:nvSpPr>
+          <p:cNvPr id="9" name="Rechteck 8"/>
+          <p:cNvSpPr/>
+          <p:nvPr/>
+        </p:nvSpPr>
+        <p:spPr>
+          <a:xfrm>
+            <a:off x="2438400" y="1856570"/>
+            <a:ext cx="5037221" cy="2731472"/>
+          </a:xfrm>
+          <a:prstGeom prst="rect">
+            <a:avLst/>
+          </a:prstGeom>
+        </p:spPr>
+        <p:style>
+          <a:lnRef idx="2">
+            <a:schemeClr val="accent1">
+              <a:shade val="50000"/>
+            </a:schemeClr>
+          </a:lnRef>
+          <a:fillRef idx="1">
+            <a:schemeClr val="accent1"/>
+          </a:fillRef>
+          <a:effectRef idx="0">
+            <a:schemeClr val="accent1"/>
+          </a:effectRef>
+          <a:fontRef idx="minor">
+            <a:schemeClr val="lt1"/>
+          </a:fontRef>
+        </p:style>
+        <p:txBody>
+          <a:bodyPr rtlCol="0" anchor="ctr"/>
+          <a:lstStyle/>
+          <a:p>
+            <a:pPr algn="ctr"/>
+            <a:r>
+              <a:rPr lang="de-DE" dirty="0" smtClean="0"/>
+              <a:t>Ergänzen: Unsere Codes mit in die Modelle (Codes schon in R drin und schauen was wir hier noch erkennen können)</a:t>
+            </a:r>
+          </a:p>
+          <a:p>
+            <a:pPr algn="ctr"/>
+            <a:r>
+              <a:rPr lang="de-DE" dirty="0" smtClean="0"/>
+              <a:t>Haben wir irgendwie MAPE-Werte oder ähnliches, die wir hier auch berichten könnten?</a:t>
+            </a:r>
+            <a:endParaRPr lang="en-GB" dirty="0"/>
+          </a:p>
+        </p:txBody>
+      </p:sp>
     </p:spTree>
     <p:extLst>
       <p:ext uri="{BB962C8B-B14F-4D97-AF65-F5344CB8AC3E}">
-        <p14:creationId xmlns:p14="http://schemas.microsoft.com/office/powerpoint/2010/main" val="1790197227"/>
+        <p14:creationId xmlns:p14="http://schemas.microsoft.com/office/powerpoint/2010/main" val="1135614117"/>
       </p:ext>
     </p:extLst>
   </p:cSld>
@@ -6536,7 +7272,7 @@
         </p:nvSpPr>
         <p:spPr>
           <a:xfrm>
-            <a:off x="324493" y="410368"/>
+            <a:off x="345042" y="365125"/>
             <a:ext cx="10515600" cy="1325563"/>
           </a:xfrm>
         </p:spPr>
@@ -6546,9 +7282,9 @@
           </a:bodyPr>
           <a:lstStyle/>
           <a:p>
-            <a:pPr marL="719138" indent="-719138">
+            <a:pPr marL="627063" indent="-627063">
               <a:buFont typeface="+mj-lt"/>
-              <a:buAutoNum type="romanUcPeriod" startAt="4"/>
+              <a:buAutoNum type="romanUcPeriod" startAt="3"/>
             </a:pPr>
             <a:r>
               <a:rPr lang="de-DE" b="1" dirty="0"/>
@@ -6559,11 +7295,7 @@
             </a:br>
             <a:r>
               <a:rPr lang="de-DE" sz="2000" dirty="0"/>
-              <a:t>Analysen Neuronales Netz – </a:t>
-            </a:r>
-            <a:r>
-              <a:rPr lang="de-DE" sz="2000"/>
-              <a:t>Je Warengruppe</a:t>
+              <a:t>Analysen SVM – Je Warengruppe</a:t>
             </a:r>
             <a:endParaRPr lang="en-GB" sz="2000" dirty="0"/>
           </a:p>
@@ -6584,7 +7316,10 @@
           <a:bodyPr/>
           <a:lstStyle/>
           <a:p>
-            <a:endParaRPr lang="en-GB"/>
+            <a:pPr marL="0" indent="0">
+              <a:buNone/>
+            </a:pPr>
+            <a:endParaRPr lang="en-GB" dirty="0"/>
           </a:p>
         </p:txBody>
       </p:sp>
@@ -6631,7 +7366,6 @@
               <a:rPr lang="de-DE" dirty="0"/>
               <a:t>Sven Schadwald, Niklas Peters, Aline Lanzrath</a:t>
             </a:r>
-            <a:endParaRPr lang="en-GB" dirty="0"/>
           </a:p>
         </p:txBody>
       </p:sp>
@@ -6655,6 +7389,288 @@
               <a:t>8</a:t>
             </a:fld>
             <a:endParaRPr lang="en-GB"/>
+          </a:p>
+        </p:txBody>
+      </p:sp>
+      <p:sp>
+        <p:nvSpPr>
+          <p:cNvPr id="7" name="Rechteck 6"/>
+          <p:cNvSpPr/>
+          <p:nvPr/>
+        </p:nvSpPr>
+        <p:spPr>
+          <a:xfrm>
+            <a:off x="2438400" y="1856570"/>
+            <a:ext cx="5037221" cy="2731472"/>
+          </a:xfrm>
+          <a:prstGeom prst="rect">
+            <a:avLst/>
+          </a:prstGeom>
+        </p:spPr>
+        <p:style>
+          <a:lnRef idx="2">
+            <a:schemeClr val="accent1">
+              <a:shade val="50000"/>
+            </a:schemeClr>
+          </a:lnRef>
+          <a:fillRef idx="1">
+            <a:schemeClr val="accent1"/>
+          </a:fillRef>
+          <a:effectRef idx="0">
+            <a:schemeClr val="accent1"/>
+          </a:effectRef>
+          <a:fontRef idx="minor">
+            <a:schemeClr val="lt1"/>
+          </a:fontRef>
+        </p:style>
+        <p:txBody>
+          <a:bodyPr rtlCol="0" anchor="ctr"/>
+          <a:lstStyle/>
+          <a:p>
+            <a:pPr algn="ctr"/>
+            <a:r>
+              <a:rPr lang="de-DE" dirty="0" smtClean="0"/>
+              <a:t>Screenshots und Fehlermeldungen einfügen</a:t>
+            </a:r>
+          </a:p>
+          <a:p>
+            <a:pPr algn="ctr"/>
+            <a:r>
+              <a:rPr lang="de-DE" dirty="0" smtClean="0"/>
+              <a:t>Wenn möglich Code nochmals checken und überall House </a:t>
+            </a:r>
+            <a:r>
+              <a:rPr lang="de-DE" dirty="0" err="1" smtClean="0"/>
+              <a:t>Pricing</a:t>
+            </a:r>
+            <a:r>
+              <a:rPr lang="de-DE" dirty="0" smtClean="0"/>
+              <a:t> durch unsere Daten ersetzen </a:t>
+            </a:r>
+            <a:endParaRPr lang="en-GB" dirty="0"/>
+          </a:p>
+        </p:txBody>
+      </p:sp>
+    </p:spTree>
+    <p:extLst>
+      <p:ext uri="{BB962C8B-B14F-4D97-AF65-F5344CB8AC3E}">
+        <p14:creationId xmlns:p14="http://schemas.microsoft.com/office/powerpoint/2010/main" val="1790197227"/>
+      </p:ext>
+    </p:extLst>
+  </p:cSld>
+  <p:clrMapOvr>
+    <a:masterClrMapping/>
+  </p:clrMapOvr>
+</p:sld>
+</file>
+
+<file path=ppt/slides/slide9.xml><?xml version="1.0" encoding="utf-8"?>
+<p:sld xmlns:a="http://schemas.openxmlformats.org/drawingml/2006/main" xmlns:r="http://schemas.openxmlformats.org/officeDocument/2006/relationships" xmlns:p="http://schemas.openxmlformats.org/presentationml/2006/main">
+  <p:cSld>
+    <p:spTree>
+      <p:nvGrpSpPr>
+        <p:cNvPr id="1" name=""/>
+        <p:cNvGrpSpPr/>
+        <p:nvPr/>
+      </p:nvGrpSpPr>
+      <p:grpSpPr>
+        <a:xfrm>
+          <a:off x="0" y="0"/>
+          <a:ext cx="0" cy="0"/>
+          <a:chOff x="0" y="0"/>
+          <a:chExt cx="0" cy="0"/>
+        </a:xfrm>
+      </p:grpSpPr>
+      <p:sp>
+        <p:nvSpPr>
+          <p:cNvPr id="2" name="Titel 1"/>
+          <p:cNvSpPr>
+            <a:spLocks noGrp="1"/>
+          </p:cNvSpPr>
+          <p:nvPr>
+            <p:ph type="title"/>
+          </p:nvPr>
+        </p:nvSpPr>
+        <p:spPr>
+          <a:xfrm>
+            <a:off x="324493" y="410368"/>
+            <a:ext cx="10515600" cy="1325563"/>
+          </a:xfrm>
+        </p:spPr>
+        <p:txBody>
+          <a:bodyPr>
+            <a:normAutofit/>
+          </a:bodyPr>
+          <a:lstStyle/>
+          <a:p>
+            <a:pPr marL="719138" indent="-719138">
+              <a:buFont typeface="+mj-lt"/>
+              <a:buAutoNum type="romanUcPeriod" startAt="4"/>
+            </a:pPr>
+            <a:r>
+              <a:rPr lang="de-DE" b="1" dirty="0"/>
+              <a:t>Vorhersage des Umsatzes am 04.06.2019</a:t>
+            </a:r>
+            <a:br>
+              <a:rPr lang="de-DE" b="1" dirty="0"/>
+            </a:br>
+            <a:r>
+              <a:rPr lang="de-DE" sz="2000" dirty="0"/>
+              <a:t>Analysen Neuronales Netz – </a:t>
+            </a:r>
+            <a:r>
+              <a:rPr lang="de-DE" sz="2000"/>
+              <a:t>Je Warengruppe</a:t>
+            </a:r>
+            <a:endParaRPr lang="en-GB" sz="2000" dirty="0"/>
+          </a:p>
+        </p:txBody>
+      </p:sp>
+      <p:sp>
+        <p:nvSpPr>
+          <p:cNvPr id="3" name="Inhaltsplatzhalter 2"/>
+          <p:cNvSpPr>
+            <a:spLocks noGrp="1"/>
+          </p:cNvSpPr>
+          <p:nvPr>
+            <p:ph idx="1"/>
+          </p:nvPr>
+        </p:nvSpPr>
+        <p:spPr/>
+        <p:txBody>
+          <a:bodyPr/>
+          <a:lstStyle/>
+          <a:p>
+            <a:endParaRPr lang="en-GB"/>
+          </a:p>
+        </p:txBody>
+      </p:sp>
+      <p:pic>
+        <p:nvPicPr>
+          <p:cNvPr id="4" name="Grafik 3"/>
+          <p:cNvPicPr>
+            <a:picLocks noChangeAspect="1"/>
+          </p:cNvPicPr>
+          <p:nvPr/>
+        </p:nvPicPr>
+        <p:blipFill>
+          <a:blip r:embed="rId2"/>
+          <a:stretch>
+            <a:fillRect/>
+          </a:stretch>
+        </p:blipFill>
+        <p:spPr>
+          <a:xfrm>
+            <a:off x="9692918" y="5881688"/>
+            <a:ext cx="2114550" cy="590550"/>
+          </a:xfrm>
+          <a:prstGeom prst="rect">
+            <a:avLst/>
+          </a:prstGeom>
+        </p:spPr>
+      </p:pic>
+      <p:sp>
+        <p:nvSpPr>
+          <p:cNvPr id="5" name="Fußzeilenplatzhalter 4"/>
+          <p:cNvSpPr>
+            <a:spLocks noGrp="1"/>
+          </p:cNvSpPr>
+          <p:nvPr>
+            <p:ph type="ftr" sz="quarter" idx="11"/>
+          </p:nvPr>
+        </p:nvSpPr>
+        <p:spPr/>
+        <p:txBody>
+          <a:bodyPr/>
+          <a:lstStyle/>
+          <a:p>
+            <a:r>
+              <a:rPr lang="de-DE" dirty="0"/>
+              <a:t>Sven Schadwald, Niklas Peters, Aline Lanzrath</a:t>
+            </a:r>
+            <a:endParaRPr lang="en-GB" dirty="0"/>
+          </a:p>
+        </p:txBody>
+      </p:sp>
+      <p:sp>
+        <p:nvSpPr>
+          <p:cNvPr id="6" name="Foliennummernplatzhalter 5"/>
+          <p:cNvSpPr>
+            <a:spLocks noGrp="1"/>
+          </p:cNvSpPr>
+          <p:nvPr>
+            <p:ph type="sldNum" sz="quarter" idx="12"/>
+          </p:nvPr>
+        </p:nvSpPr>
+        <p:spPr/>
+        <p:txBody>
+          <a:bodyPr/>
+          <a:lstStyle/>
+          <a:p>
+            <a:fld id="{DAF5F91D-AD75-439C-8539-4BA22F73A771}" type="slidenum">
+              <a:rPr lang="en-GB" smtClean="0"/>
+              <a:t>9</a:t>
+            </a:fld>
+            <a:endParaRPr lang="en-GB"/>
+          </a:p>
+        </p:txBody>
+      </p:sp>
+      <p:sp>
+        <p:nvSpPr>
+          <p:cNvPr id="7" name="Rechteck 6"/>
+          <p:cNvSpPr/>
+          <p:nvPr/>
+        </p:nvSpPr>
+        <p:spPr>
+          <a:xfrm>
+            <a:off x="2438400" y="1856570"/>
+            <a:ext cx="5037221" cy="2731472"/>
+          </a:xfrm>
+          <a:prstGeom prst="rect">
+            <a:avLst/>
+          </a:prstGeom>
+        </p:spPr>
+        <p:style>
+          <a:lnRef idx="2">
+            <a:schemeClr val="accent1">
+              <a:shade val="50000"/>
+            </a:schemeClr>
+          </a:lnRef>
+          <a:fillRef idx="1">
+            <a:schemeClr val="accent1"/>
+          </a:fillRef>
+          <a:effectRef idx="0">
+            <a:schemeClr val="accent1"/>
+          </a:effectRef>
+          <a:fontRef idx="minor">
+            <a:schemeClr val="lt1"/>
+          </a:fontRef>
+        </p:style>
+        <p:txBody>
+          <a:bodyPr rtlCol="0" anchor="ctr"/>
+          <a:lstStyle/>
+          <a:p>
+            <a:pPr algn="ctr"/>
+            <a:r>
+              <a:rPr lang="de-DE" dirty="0" smtClean="0"/>
+              <a:t>Screenshots und Fehlermeldungen einfügen</a:t>
+            </a:r>
+          </a:p>
+          <a:p>
+            <a:pPr algn="ctr"/>
+            <a:r>
+              <a:rPr lang="de-DE" dirty="0" smtClean="0"/>
+              <a:t>Wenn möglich Code nochmals checken und überall House </a:t>
+            </a:r>
+            <a:r>
+              <a:rPr lang="de-DE" dirty="0" err="1" smtClean="0"/>
+              <a:t>Pricing</a:t>
+            </a:r>
+            <a:r>
+              <a:rPr lang="de-DE" dirty="0" smtClean="0"/>
+              <a:t> durch unsere Daten ersetzen </a:t>
+            </a:r>
+            <a:endParaRPr lang="en-GB" dirty="0"/>
           </a:p>
         </p:txBody>
       </p:sp>
